--- a/PPT内容-20240103-2.pptx
+++ b/PPT内容-20240103-2.pptx
@@ -5,7 +5,7 @@
     <p:sldMasterId id="2147483648" r:id="rId1"/>
   </p:sldMasterIdLst>
   <p:notesMasterIdLst>
-    <p:notesMasterId r:id="rId38"/>
+    <p:notesMasterId r:id="rId39"/>
   </p:notesMasterIdLst>
   <p:sldIdLst>
     <p:sldId id="422" r:id="rId2"/>
@@ -43,12 +43,13 @@
     <p:sldId id="435" r:id="rId34"/>
     <p:sldId id="439" r:id="rId35"/>
     <p:sldId id="436" r:id="rId36"/>
-    <p:sldId id="357" r:id="rId37"/>
+    <p:sldId id="470" r:id="rId37"/>
+    <p:sldId id="357" r:id="rId38"/>
   </p:sldIdLst>
   <p:sldSz cx="9144000" cy="6858000" type="screen4x3"/>
   <p:notesSz cx="6858000" cy="9144000"/>
   <p:custDataLst>
-    <p:tags r:id="rId39"/>
+    <p:tags r:id="rId40"/>
   </p:custDataLst>
   <p:defaultTextStyle>
     <a:defPPr>
@@ -246,7 +247,7 @@
           <a:p>
             <a:fld id="{7F25A8C7-CC1A-4A08-9B4B-31F43B054C7F}" type="datetimeFigureOut">
               <a:rPr lang="zh-CN" altLang="en-US" smtClean="0"/>
-              <a:t>2024/1/3</a:t>
+              <a:t>2024/1/4</a:t>
             </a:fld>
             <a:endParaRPr lang="zh-CN" altLang="en-US"/>
           </a:p>
@@ -657,7 +658,7 @@
           <a:p>
             <a:fld id="{F9E1B693-632D-4080-9CF6-EA28B66DC801}" type="slidenum">
               <a:rPr lang="zh-CN" altLang="en-US" smtClean="0"/>
-              <a:t>16</a:t>
+              <a:t>15</a:t>
             </a:fld>
             <a:endParaRPr lang="zh-CN" altLang="en-US"/>
           </a:p>
@@ -666,7 +667,7 @@
     </p:spTree>
     <p:extLst>
       <p:ext uri="{BB962C8B-B14F-4D97-AF65-F5344CB8AC3E}">
-        <p14:creationId xmlns:p14="http://schemas.microsoft.com/office/powerpoint/2010/main" val="3887661602"/>
+        <p14:creationId xmlns:p14="http://schemas.microsoft.com/office/powerpoint/2010/main" val="910686043"/>
       </p:ext>
     </p:extLst>
   </p:cSld>
@@ -741,7 +742,7 @@
           <a:p>
             <a:fld id="{F9E1B693-632D-4080-9CF6-EA28B66DC801}" type="slidenum">
               <a:rPr lang="zh-CN" altLang="en-US" smtClean="0"/>
-              <a:t>17</a:t>
+              <a:t>16</a:t>
             </a:fld>
             <a:endParaRPr lang="zh-CN" altLang="en-US"/>
           </a:p>
@@ -750,7 +751,7 @@
     </p:spTree>
     <p:extLst>
       <p:ext uri="{BB962C8B-B14F-4D97-AF65-F5344CB8AC3E}">
-        <p14:creationId xmlns:p14="http://schemas.microsoft.com/office/powerpoint/2010/main" val="1042035529"/>
+        <p14:creationId xmlns:p14="http://schemas.microsoft.com/office/powerpoint/2010/main" val="3887661602"/>
       </p:ext>
     </p:extLst>
   </p:cSld>
@@ -804,72 +805,6 @@
           <a:bodyPr/>
           <a:lstStyle/>
           <a:p>
-            <a:pPr marL="0" marR="0" lvl="0" indent="0" algn="l" defTabSz="914400" rtl="0" eaLnBrk="1" fontAlgn="auto" latinLnBrk="0" hangingPunct="1">
-              <a:lnSpc>
-                <a:spcPct val="100000"/>
-              </a:lnSpc>
-              <a:spcBef>
-                <a:spcPts val="0"/>
-              </a:spcBef>
-              <a:spcAft>
-                <a:spcPts val="0"/>
-              </a:spcAft>
-              <a:buClrTx/>
-              <a:buSzTx/>
-              <a:buFontTx/>
-              <a:buNone/>
-              <a:tabLst/>
-              <a:defRPr/>
-            </a:pPr>
-            <a:r>
-              <a:rPr lang="en-US" altLang="zh-CN" b="0" dirty="0">
-                <a:solidFill>
-                  <a:srgbClr val="6A9955"/>
-                </a:solidFill>
-                <a:effectLst/>
-                <a:latin typeface="Consolas" panose="020B0609020204030204" pitchFamily="49" charset="0"/>
-              </a:rPr>
-              <a:t>[1]</a:t>
-            </a:r>
-            <a:r>
-              <a:rPr lang="zh-CN" altLang="en-US" b="0" dirty="0">
-                <a:solidFill>
-                  <a:srgbClr val="6A9955"/>
-                </a:solidFill>
-                <a:effectLst/>
-                <a:latin typeface="Consolas" panose="020B0609020204030204" pitchFamily="49" charset="0"/>
-              </a:rPr>
-              <a:t>接下来我们通过一个案例来巩固一下刚刚学习的知识，这个案例是一个</a:t>
-            </a:r>
-            <a:r>
-              <a:rPr lang="en-US" altLang="zh-CN" b="0" dirty="0" err="1">
-                <a:solidFill>
-                  <a:srgbClr val="6A9955"/>
-                </a:solidFill>
-                <a:effectLst/>
-                <a:latin typeface="Consolas" panose="020B0609020204030204" pitchFamily="49" charset="0"/>
-              </a:rPr>
-              <a:t>TodoList</a:t>
-            </a:r>
-            <a:r>
-              <a:rPr lang="zh-CN" altLang="en-US" b="0" dirty="0">
-                <a:solidFill>
-                  <a:srgbClr val="6A9955"/>
-                </a:solidFill>
-                <a:effectLst/>
-                <a:latin typeface="Consolas" panose="020B0609020204030204" pitchFamily="49" charset="0"/>
-              </a:rPr>
-              <a:t>案例，主要的功能有：增加代办，删除代办</a:t>
-            </a:r>
-            <a:endParaRPr lang="en-US" altLang="zh-CN" b="0" dirty="0">
-              <a:solidFill>
-                <a:srgbClr val="6A9955"/>
-              </a:solidFill>
-              <a:effectLst/>
-              <a:latin typeface="Consolas" panose="020B0609020204030204" pitchFamily="49" charset="0"/>
-            </a:endParaRPr>
-          </a:p>
-          <a:p>
             <a:endParaRPr lang="zh-CN" altLang="en-US" dirty="0"/>
           </a:p>
         </p:txBody>
@@ -891,7 +826,7 @@
           <a:p>
             <a:fld id="{F9E1B693-632D-4080-9CF6-EA28B66DC801}" type="slidenum">
               <a:rPr lang="zh-CN" altLang="en-US" smtClean="0"/>
-              <a:t>18</a:t>
+              <a:t>17</a:t>
             </a:fld>
             <a:endParaRPr lang="zh-CN" altLang="en-US"/>
           </a:p>
@@ -900,7 +835,7 @@
     </p:spTree>
     <p:extLst>
       <p:ext uri="{BB962C8B-B14F-4D97-AF65-F5344CB8AC3E}">
-        <p14:creationId xmlns:p14="http://schemas.microsoft.com/office/powerpoint/2010/main" val="3884710734"/>
+        <p14:creationId xmlns:p14="http://schemas.microsoft.com/office/powerpoint/2010/main" val="1042035529"/>
       </p:ext>
     </p:extLst>
   </p:cSld>
@@ -979,7 +914,7 @@
                 <a:effectLst/>
                 <a:latin typeface="Consolas" panose="020B0609020204030204" pitchFamily="49" charset="0"/>
               </a:rPr>
-              <a:t>[2]</a:t>
+              <a:t>[1]</a:t>
             </a:r>
             <a:r>
               <a:rPr lang="zh-CN" altLang="en-US" b="0" dirty="0">
@@ -989,17 +924,17 @@
                 <a:effectLst/>
                 <a:latin typeface="Consolas" panose="020B0609020204030204" pitchFamily="49" charset="0"/>
               </a:rPr>
-              <a:t>通过这个案例，我们对</a:t>
-            </a:r>
-            <a:r>
-              <a:rPr lang="en-US" altLang="zh-CN" b="0" dirty="0">
+              <a:t>接下来我们通过一个案例来巩固一下刚刚学习的知识，这个案例是一个</a:t>
+            </a:r>
+            <a:r>
+              <a:rPr lang="en-US" altLang="zh-CN" b="0" dirty="0" err="1">
                 <a:solidFill>
                   <a:srgbClr val="6A9955"/>
                 </a:solidFill>
                 <a:effectLst/>
                 <a:latin typeface="Consolas" panose="020B0609020204030204" pitchFamily="49" charset="0"/>
               </a:rPr>
-              <a:t>JSX</a:t>
+              <a:t>TodoList</a:t>
             </a:r>
             <a:r>
               <a:rPr lang="zh-CN" altLang="en-US" b="0" dirty="0">
@@ -1009,31 +944,11 @@
                 <a:effectLst/>
                 <a:latin typeface="Consolas" panose="020B0609020204030204" pitchFamily="49" charset="0"/>
               </a:rPr>
-              <a:t>，组件样式，条件渲染，列表渲染，事件点击，表单受控等知识进行了练习，接下来进入</a:t>
-            </a:r>
-            <a:r>
-              <a:rPr lang="en-US" altLang="zh-CN" b="0" dirty="0">
-                <a:solidFill>
-                  <a:srgbClr val="6A9955"/>
-                </a:solidFill>
-                <a:effectLst/>
-                <a:latin typeface="Consolas" panose="020B0609020204030204" pitchFamily="49" charset="0"/>
-              </a:rPr>
-              <a:t>react</a:t>
-            </a:r>
-            <a:r>
-              <a:rPr lang="zh-CN" altLang="en-US" b="0" dirty="0">
-                <a:solidFill>
-                  <a:srgbClr val="6A9955"/>
-                </a:solidFill>
-                <a:effectLst/>
-                <a:latin typeface="Consolas" panose="020B0609020204030204" pitchFamily="49" charset="0"/>
-              </a:rPr>
-              <a:t>进阶模块。</a:t>
-            </a:r>
-            <a:endParaRPr lang="zh-CN" altLang="en-US" b="0" dirty="0">
+              <a:t>案例，主要的功能有：增加代办，删除代办</a:t>
+            </a:r>
+            <a:endParaRPr lang="en-US" altLang="zh-CN" b="0" dirty="0">
               <a:solidFill>
-                <a:srgbClr val="CCCCCC"/>
+                <a:srgbClr val="6A9955"/>
               </a:solidFill>
               <a:effectLst/>
               <a:latin typeface="Consolas" panose="020B0609020204030204" pitchFamily="49" charset="0"/>
@@ -1061,7 +976,7 @@
           <a:p>
             <a:fld id="{F9E1B693-632D-4080-9CF6-EA28B66DC801}" type="slidenum">
               <a:rPr lang="zh-CN" altLang="en-US" smtClean="0"/>
-              <a:t>19</a:t>
+              <a:t>18</a:t>
             </a:fld>
             <a:endParaRPr lang="zh-CN" altLang="en-US"/>
           </a:p>
@@ -1070,7 +985,7 @@
     </p:spTree>
     <p:extLst>
       <p:ext uri="{BB962C8B-B14F-4D97-AF65-F5344CB8AC3E}">
-        <p14:creationId xmlns:p14="http://schemas.microsoft.com/office/powerpoint/2010/main" val="3280530011"/>
+        <p14:creationId xmlns:p14="http://schemas.microsoft.com/office/powerpoint/2010/main" val="3884710734"/>
       </p:ext>
     </p:extLst>
   </p:cSld>
@@ -1142,23 +1057,29 @@
               <a:defRPr/>
             </a:pPr>
             <a:r>
-              <a:rPr lang="en-US" altLang="zh-CN" dirty="0"/>
-              <a:t>[1]</a:t>
-            </a:r>
-            <a:r>
-              <a:rPr lang="zh-CN" altLang="en-US" b="1" dirty="0">
-                <a:solidFill>
-                  <a:srgbClr val="569CD6"/>
-                </a:solidFill>
-                <a:effectLst/>
-                <a:latin typeface="Consolas" panose="020B0609020204030204" pitchFamily="49" charset="0"/>
-              </a:rPr>
-              <a:t>讲到这里，大家对</a:t>
-            </a:r>
-            <a:r>
-              <a:rPr lang="en-US" altLang="zh-CN" b="1" dirty="0">
-                <a:solidFill>
-                  <a:srgbClr val="569CD6"/>
+              <a:rPr lang="en-US" altLang="zh-CN" b="0" dirty="0">
+                <a:solidFill>
+                  <a:srgbClr val="6A9955"/>
+                </a:solidFill>
+                <a:effectLst/>
+                <a:latin typeface="Consolas" panose="020B0609020204030204" pitchFamily="49" charset="0"/>
+              </a:rPr>
+              <a:t>[2]</a:t>
+            </a:r>
+            <a:r>
+              <a:rPr lang="zh-CN" altLang="en-US" b="0" dirty="0">
+                <a:solidFill>
+                  <a:srgbClr val="6A9955"/>
+                </a:solidFill>
+                <a:effectLst/>
+                <a:latin typeface="Consolas" panose="020B0609020204030204" pitchFamily="49" charset="0"/>
+              </a:rPr>
+              <a:t>通过这个案例，我们对</a:t>
+            </a:r>
+            <a:r>
+              <a:rPr lang="en-US" altLang="zh-CN" b="0" dirty="0">
+                <a:solidFill>
+                  <a:srgbClr val="6A9955"/>
                 </a:solidFill>
                 <a:effectLst/>
                 <a:latin typeface="Consolas" panose="020B0609020204030204" pitchFamily="49" charset="0"/>
@@ -1166,34 +1087,34 @@
               <a:t>JSX</a:t>
             </a:r>
             <a:r>
-              <a:rPr lang="zh-CN" altLang="en-US" b="1" dirty="0">
-                <a:solidFill>
-                  <a:srgbClr val="569CD6"/>
-                </a:solidFill>
-                <a:effectLst/>
-                <a:latin typeface="Consolas" panose="020B0609020204030204" pitchFamily="49" charset="0"/>
-              </a:rPr>
-              <a:t>，</a:t>
-            </a:r>
-            <a:r>
-              <a:rPr lang="en-US" altLang="zh-CN" b="1" dirty="0">
-                <a:solidFill>
-                  <a:srgbClr val="569CD6"/>
-                </a:solidFill>
-                <a:effectLst/>
-                <a:latin typeface="Consolas" panose="020B0609020204030204" pitchFamily="49" charset="0"/>
-              </a:rPr>
-              <a:t>hooks</a:t>
-            </a:r>
-            <a:r>
-              <a:rPr lang="zh-CN" altLang="en-US" b="1" dirty="0">
-                <a:solidFill>
-                  <a:srgbClr val="569CD6"/>
-                </a:solidFill>
-                <a:effectLst/>
-                <a:latin typeface="Consolas" panose="020B0609020204030204" pitchFamily="49" charset="0"/>
-              </a:rPr>
-              <a:t>，都有了初步的认识，那现在给大家讲讲组件化开发，怎么通信和路由跳转</a:t>
+              <a:rPr lang="zh-CN" altLang="en-US" b="0" dirty="0">
+                <a:solidFill>
+                  <a:srgbClr val="6A9955"/>
+                </a:solidFill>
+                <a:effectLst/>
+                <a:latin typeface="Consolas" panose="020B0609020204030204" pitchFamily="49" charset="0"/>
+              </a:rPr>
+              <a:t>，组件样式，条件渲染，列表渲染，事件点击，表单受控等知识进行了练习，接下来进入</a:t>
+            </a:r>
+            <a:r>
+              <a:rPr lang="en-US" altLang="zh-CN" b="0" dirty="0">
+                <a:solidFill>
+                  <a:srgbClr val="6A9955"/>
+                </a:solidFill>
+                <a:effectLst/>
+                <a:latin typeface="Consolas" panose="020B0609020204030204" pitchFamily="49" charset="0"/>
+              </a:rPr>
+              <a:t>react</a:t>
+            </a:r>
+            <a:r>
+              <a:rPr lang="zh-CN" altLang="en-US" b="0" dirty="0">
+                <a:solidFill>
+                  <a:srgbClr val="6A9955"/>
+                </a:solidFill>
+                <a:effectLst/>
+                <a:latin typeface="Consolas" panose="020B0609020204030204" pitchFamily="49" charset="0"/>
+              </a:rPr>
+              <a:t>进阶模块。</a:t>
             </a:r>
             <a:endParaRPr lang="zh-CN" altLang="en-US" b="0" dirty="0">
               <a:solidFill>
@@ -1225,7 +1146,7 @@
           <a:p>
             <a:fld id="{F9E1B693-632D-4080-9CF6-EA28B66DC801}" type="slidenum">
               <a:rPr lang="zh-CN" altLang="en-US" smtClean="0"/>
-              <a:t>20</a:t>
+              <a:t>19</a:t>
             </a:fld>
             <a:endParaRPr lang="zh-CN" altLang="en-US"/>
           </a:p>
@@ -1234,7 +1155,7 @@
     </p:spTree>
     <p:extLst>
       <p:ext uri="{BB962C8B-B14F-4D97-AF65-F5344CB8AC3E}">
-        <p14:creationId xmlns:p14="http://schemas.microsoft.com/office/powerpoint/2010/main" val="1888118156"/>
+        <p14:creationId xmlns:p14="http://schemas.microsoft.com/office/powerpoint/2010/main" val="3280530011"/>
       </p:ext>
     </p:extLst>
   </p:cSld>
@@ -1288,26 +1209,86 @@
           <a:bodyPr/>
           <a:lstStyle/>
           <a:p>
+            <a:pPr marL="0" marR="0" lvl="0" indent="0" algn="l" defTabSz="914400" rtl="0" eaLnBrk="1" fontAlgn="auto" latinLnBrk="0" hangingPunct="1">
+              <a:lnSpc>
+                <a:spcPct val="100000"/>
+              </a:lnSpc>
+              <a:spcBef>
+                <a:spcPts val="0"/>
+              </a:spcBef>
+              <a:spcAft>
+                <a:spcPts val="0"/>
+              </a:spcAft>
+              <a:buClrTx/>
+              <a:buSzTx/>
+              <a:buFontTx/>
+              <a:buNone/>
+              <a:tabLst/>
+              <a:defRPr/>
+            </a:pPr>
             <a:r>
               <a:rPr lang="en-US" altLang="zh-CN" dirty="0"/>
               <a:t>[1]</a:t>
             </a:r>
             <a:r>
-              <a:rPr lang="zh-CN" altLang="en-US" dirty="0"/>
-              <a:t>在</a:t>
-            </a:r>
-            <a:r>
-              <a:rPr lang="en-US" altLang="zh-CN" dirty="0"/>
-              <a:t>react</a:t>
-            </a:r>
-            <a:r>
-              <a:rPr lang="zh-CN" altLang="en-US" dirty="0"/>
-              <a:t>中，万物皆组件化，一个函数就是一个组件，在这之前的案例其实已经感受到了。一个页面你可以拆成多个组件去写，组件可以实现代码复用的功能，另外还有让代码结构更清晰，一块都可以拆成一个组件。组件内可以套用组件，每个组件都有自己的实例。 看这张原型图，讲</a:t>
-            </a:r>
-            <a:r>
-              <a:rPr lang="en-US" altLang="zh-CN" dirty="0"/>
-              <a:t>….</a:t>
-            </a:r>
+              <a:rPr lang="zh-CN" altLang="en-US" b="1" dirty="0">
+                <a:solidFill>
+                  <a:srgbClr val="569CD6"/>
+                </a:solidFill>
+                <a:effectLst/>
+                <a:latin typeface="Consolas" panose="020B0609020204030204" pitchFamily="49" charset="0"/>
+              </a:rPr>
+              <a:t>讲到这里，大家对</a:t>
+            </a:r>
+            <a:r>
+              <a:rPr lang="en-US" altLang="zh-CN" b="1" dirty="0">
+                <a:solidFill>
+                  <a:srgbClr val="569CD6"/>
+                </a:solidFill>
+                <a:effectLst/>
+                <a:latin typeface="Consolas" panose="020B0609020204030204" pitchFamily="49" charset="0"/>
+              </a:rPr>
+              <a:t>JSX</a:t>
+            </a:r>
+            <a:r>
+              <a:rPr lang="zh-CN" altLang="en-US" b="1" dirty="0">
+                <a:solidFill>
+                  <a:srgbClr val="569CD6"/>
+                </a:solidFill>
+                <a:effectLst/>
+                <a:latin typeface="Consolas" panose="020B0609020204030204" pitchFamily="49" charset="0"/>
+              </a:rPr>
+              <a:t>，</a:t>
+            </a:r>
+            <a:r>
+              <a:rPr lang="en-US" altLang="zh-CN" b="1" dirty="0">
+                <a:solidFill>
+                  <a:srgbClr val="569CD6"/>
+                </a:solidFill>
+                <a:effectLst/>
+                <a:latin typeface="Consolas" panose="020B0609020204030204" pitchFamily="49" charset="0"/>
+              </a:rPr>
+              <a:t>hooks</a:t>
+            </a:r>
+            <a:r>
+              <a:rPr lang="zh-CN" altLang="en-US" b="1" dirty="0">
+                <a:solidFill>
+                  <a:srgbClr val="569CD6"/>
+                </a:solidFill>
+                <a:effectLst/>
+                <a:latin typeface="Consolas" panose="020B0609020204030204" pitchFamily="49" charset="0"/>
+              </a:rPr>
+              <a:t>，都有了初步的认识，那现在给大家讲讲组件化开发，怎么通信和路由跳转</a:t>
+            </a:r>
+            <a:endParaRPr lang="zh-CN" altLang="en-US" b="0" dirty="0">
+              <a:solidFill>
+                <a:srgbClr val="CCCCCC"/>
+              </a:solidFill>
+              <a:effectLst/>
+              <a:latin typeface="Consolas" panose="020B0609020204030204" pitchFamily="49" charset="0"/>
+            </a:endParaRPr>
+          </a:p>
+          <a:p>
             <a:endParaRPr lang="zh-CN" altLang="en-US" dirty="0"/>
           </a:p>
         </p:txBody>
@@ -1329,7 +1310,7 @@
           <a:p>
             <a:fld id="{F9E1B693-632D-4080-9CF6-EA28B66DC801}" type="slidenum">
               <a:rPr lang="zh-CN" altLang="en-US" smtClean="0"/>
-              <a:t>21</a:t>
+              <a:t>20</a:t>
             </a:fld>
             <a:endParaRPr lang="zh-CN" altLang="en-US"/>
           </a:p>
@@ -1338,7 +1319,7 @@
     </p:spTree>
     <p:extLst>
       <p:ext uri="{BB962C8B-B14F-4D97-AF65-F5344CB8AC3E}">
-        <p14:creationId xmlns:p14="http://schemas.microsoft.com/office/powerpoint/2010/main" val="297479630"/>
+        <p14:creationId xmlns:p14="http://schemas.microsoft.com/office/powerpoint/2010/main" val="1888118156"/>
       </p:ext>
     </p:extLst>
   </p:cSld>
@@ -1392,6 +1373,26 @@
           <a:bodyPr/>
           <a:lstStyle/>
           <a:p>
+            <a:r>
+              <a:rPr lang="en-US" altLang="zh-CN" dirty="0"/>
+              <a:t>[1]</a:t>
+            </a:r>
+            <a:r>
+              <a:rPr lang="zh-CN" altLang="en-US" dirty="0"/>
+              <a:t>在</a:t>
+            </a:r>
+            <a:r>
+              <a:rPr lang="en-US" altLang="zh-CN" dirty="0"/>
+              <a:t>react</a:t>
+            </a:r>
+            <a:r>
+              <a:rPr lang="zh-CN" altLang="en-US" dirty="0"/>
+              <a:t>中，万物皆组件化，一个函数就是一个组件，在这之前的案例其实已经感受到了。一个页面你可以拆成多个组件去写，组件可以实现代码复用的功能，另外还有让代码结构更清晰，一块都可以拆成一个组件。组件内可以套用组件，每个组件都有自己的实例。 看这张原型图，讲</a:t>
+            </a:r>
+            <a:r>
+              <a:rPr lang="en-US" altLang="zh-CN" dirty="0"/>
+              <a:t>….</a:t>
+            </a:r>
             <a:endParaRPr lang="zh-CN" altLang="en-US" dirty="0"/>
           </a:p>
         </p:txBody>
@@ -1413,7 +1414,7 @@
           <a:p>
             <a:fld id="{F9E1B693-632D-4080-9CF6-EA28B66DC801}" type="slidenum">
               <a:rPr lang="zh-CN" altLang="en-US" smtClean="0"/>
-              <a:t>22</a:t>
+              <a:t>21</a:t>
             </a:fld>
             <a:endParaRPr lang="zh-CN" altLang="en-US"/>
           </a:p>
@@ -1422,7 +1423,7 @@
     </p:spTree>
     <p:extLst>
       <p:ext uri="{BB962C8B-B14F-4D97-AF65-F5344CB8AC3E}">
-        <p14:creationId xmlns:p14="http://schemas.microsoft.com/office/powerpoint/2010/main" val="2605058571"/>
+        <p14:creationId xmlns:p14="http://schemas.microsoft.com/office/powerpoint/2010/main" val="297479630"/>
       </p:ext>
     </p:extLst>
   </p:cSld>
@@ -1476,14 +1477,7 @@
           <a:bodyPr/>
           <a:lstStyle/>
           <a:p>
-            <a:r>
-              <a:rPr lang="en-US" altLang="zh-CN" dirty="0"/>
-              <a:t>[1]</a:t>
-            </a:r>
-            <a:r>
-              <a:rPr lang="zh-CN" altLang="en-US" dirty="0"/>
-              <a:t>既然都是组件化开发，那组件间怎么通信呢？</a:t>
-            </a:r>
+            <a:endParaRPr lang="zh-CN" altLang="en-US" dirty="0"/>
           </a:p>
         </p:txBody>
       </p:sp>
@@ -1504,7 +1498,7 @@
           <a:p>
             <a:fld id="{F9E1B693-632D-4080-9CF6-EA28B66DC801}" type="slidenum">
               <a:rPr lang="zh-CN" altLang="en-US" smtClean="0"/>
-              <a:t>23</a:t>
+              <a:t>22</a:t>
             </a:fld>
             <a:endParaRPr lang="zh-CN" altLang="en-US"/>
           </a:p>
@@ -1513,7 +1507,7 @@
     </p:spTree>
     <p:extLst>
       <p:ext uri="{BB962C8B-B14F-4D97-AF65-F5344CB8AC3E}">
-        <p14:creationId xmlns:p14="http://schemas.microsoft.com/office/powerpoint/2010/main" val="2947814344"/>
+        <p14:creationId xmlns:p14="http://schemas.microsoft.com/office/powerpoint/2010/main" val="2605058571"/>
       </p:ext>
     </p:extLst>
   </p:cSld>
@@ -1567,7 +1561,14 @@
           <a:bodyPr/>
           <a:lstStyle/>
           <a:p>
-            <a:endParaRPr lang="zh-CN" altLang="en-US" dirty="0"/>
+            <a:r>
+              <a:rPr lang="en-US" altLang="zh-CN" dirty="0"/>
+              <a:t>[1]</a:t>
+            </a:r>
+            <a:r>
+              <a:rPr lang="zh-CN" altLang="en-US" dirty="0"/>
+              <a:t>既然都是组件化开发，那组件间怎么通信呢？</a:t>
+            </a:r>
           </a:p>
         </p:txBody>
       </p:sp>
@@ -1588,7 +1589,7 @@
           <a:p>
             <a:fld id="{F9E1B693-632D-4080-9CF6-EA28B66DC801}" type="slidenum">
               <a:rPr lang="zh-CN" altLang="en-US" smtClean="0"/>
-              <a:t>24</a:t>
+              <a:t>23</a:t>
             </a:fld>
             <a:endParaRPr lang="zh-CN" altLang="en-US"/>
           </a:p>
@@ -1597,7 +1598,7 @@
     </p:spTree>
     <p:extLst>
       <p:ext uri="{BB962C8B-B14F-4D97-AF65-F5344CB8AC3E}">
-        <p14:creationId xmlns:p14="http://schemas.microsoft.com/office/powerpoint/2010/main" val="2553569737"/>
+        <p14:creationId xmlns:p14="http://schemas.microsoft.com/office/powerpoint/2010/main" val="2947814344"/>
       </p:ext>
     </p:extLst>
   </p:cSld>
@@ -1672,7 +1673,7 @@
           <a:p>
             <a:fld id="{F9E1B693-632D-4080-9CF6-EA28B66DC801}" type="slidenum">
               <a:rPr lang="zh-CN" altLang="en-US" smtClean="0"/>
-              <a:t>25</a:t>
+              <a:t>24</a:t>
             </a:fld>
             <a:endParaRPr lang="zh-CN" altLang="en-US"/>
           </a:p>
@@ -1681,7 +1682,7 @@
     </p:spTree>
     <p:extLst>
       <p:ext uri="{BB962C8B-B14F-4D97-AF65-F5344CB8AC3E}">
-        <p14:creationId xmlns:p14="http://schemas.microsoft.com/office/powerpoint/2010/main" val="1724430315"/>
+        <p14:creationId xmlns:p14="http://schemas.microsoft.com/office/powerpoint/2010/main" val="2553569737"/>
       </p:ext>
     </p:extLst>
   </p:cSld>
@@ -1735,242 +1736,26 @@
           <a:bodyPr/>
           <a:lstStyle/>
           <a:p>
-            <a:pPr marL="0" marR="0" lvl="0" indent="0" algn="l" defTabSz="914400" rtl="0" eaLnBrk="1" fontAlgn="auto" latinLnBrk="0" hangingPunct="1">
-              <a:lnSpc>
-                <a:spcPct val="100000"/>
-              </a:lnSpc>
-              <a:spcBef>
-                <a:spcPts val="0"/>
-              </a:spcBef>
-              <a:spcAft>
-                <a:spcPts val="0"/>
-              </a:spcAft>
-              <a:buClrTx/>
-              <a:buSzTx/>
-              <a:buFontTx/>
-              <a:buNone/>
-              <a:tabLst/>
-              <a:defRPr/>
-            </a:pPr>
             <a:r>
               <a:rPr lang="en-US" altLang="zh-CN" dirty="0"/>
               <a:t>[1]</a:t>
             </a:r>
             <a:r>
-              <a:rPr lang="zh-CN" altLang="en-US" dirty="0"/>
-              <a:t>那大家可能会有疑问，浏览器是怎么识别</a:t>
-            </a:r>
-            <a:r>
-              <a:rPr lang="en-US" altLang="zh-CN" dirty="0"/>
-              <a:t>JSX</a:t>
-            </a:r>
-            <a:r>
-              <a:rPr lang="zh-CN" altLang="en-US" dirty="0"/>
-              <a:t>代码的呢？</a:t>
-            </a:r>
-            <a:r>
-              <a:rPr lang="zh-CN" altLang="en-US" b="0" dirty="0">
-                <a:solidFill>
-                  <a:srgbClr val="CCCCCC"/>
-                </a:solidFill>
-                <a:effectLst/>
-                <a:latin typeface="Consolas" panose="020B0609020204030204" pitchFamily="49" charset="0"/>
-              </a:rPr>
-              <a:t>浏览器只认识 </a:t>
-            </a:r>
-            <a:r>
-              <a:rPr lang="en-US" altLang="zh-CN" b="0" dirty="0">
-                <a:solidFill>
-                  <a:srgbClr val="CCCCCC"/>
-                </a:solidFill>
-                <a:effectLst/>
-                <a:latin typeface="Consolas" panose="020B0609020204030204" pitchFamily="49" charset="0"/>
-              </a:rPr>
-              <a:t>html</a:t>
-            </a:r>
-            <a:r>
-              <a:rPr lang="zh-CN" altLang="en-US" b="0" dirty="0">
-                <a:solidFill>
-                  <a:srgbClr val="CCCCCC"/>
-                </a:solidFill>
-                <a:effectLst/>
-                <a:latin typeface="Consolas" panose="020B0609020204030204" pitchFamily="49" charset="0"/>
-              </a:rPr>
-              <a:t>，</a:t>
-            </a:r>
-            <a:r>
-              <a:rPr lang="en-US" altLang="zh-CN" b="0" dirty="0" err="1">
-                <a:solidFill>
-                  <a:srgbClr val="CCCCCC"/>
-                </a:solidFill>
-                <a:effectLst/>
-                <a:latin typeface="Consolas" panose="020B0609020204030204" pitchFamily="49" charset="0"/>
-              </a:rPr>
-              <a:t>css</a:t>
-            </a:r>
-            <a:r>
-              <a:rPr lang="en-US" altLang="zh-CN" b="0" dirty="0">
-                <a:solidFill>
-                  <a:srgbClr val="CCCCCC"/>
-                </a:solidFill>
-                <a:effectLst/>
-                <a:latin typeface="Consolas" panose="020B0609020204030204" pitchFamily="49" charset="0"/>
-              </a:rPr>
-              <a:t> </a:t>
-            </a:r>
-            <a:r>
-              <a:rPr lang="zh-CN" altLang="en-US" b="0" dirty="0">
-                <a:solidFill>
-                  <a:srgbClr val="CCCCCC"/>
-                </a:solidFill>
-                <a:effectLst/>
-                <a:latin typeface="Consolas" panose="020B0609020204030204" pitchFamily="49" charset="0"/>
-              </a:rPr>
-              <a:t>和 </a:t>
-            </a:r>
-            <a:r>
-              <a:rPr lang="en-US" altLang="zh-CN" b="0" dirty="0" err="1">
-                <a:solidFill>
-                  <a:srgbClr val="CCCCCC"/>
-                </a:solidFill>
-                <a:effectLst/>
-                <a:latin typeface="Consolas" panose="020B0609020204030204" pitchFamily="49" charset="0"/>
-              </a:rPr>
-              <a:t>js</a:t>
-            </a:r>
-            <a:r>
-              <a:rPr lang="zh-CN" altLang="en-US" b="0" dirty="0">
-                <a:solidFill>
-                  <a:srgbClr val="CCCCCC"/>
-                </a:solidFill>
-                <a:effectLst/>
-                <a:latin typeface="Consolas" panose="020B0609020204030204" pitchFamily="49" charset="0"/>
-              </a:rPr>
-              <a:t>，有 </a:t>
-            </a:r>
-            <a:r>
-              <a:rPr lang="en-US" altLang="zh-CN" b="0" dirty="0">
-                <a:solidFill>
-                  <a:srgbClr val="CCCCCC"/>
-                </a:solidFill>
-                <a:effectLst/>
-                <a:latin typeface="Consolas" panose="020B0609020204030204" pitchFamily="49" charset="0"/>
-              </a:rPr>
-              <a:t>babel-</a:t>
-            </a:r>
-            <a:r>
-              <a:rPr lang="en-US" altLang="zh-CN" b="0" dirty="0" err="1">
-                <a:solidFill>
-                  <a:srgbClr val="CCCCCC"/>
-                </a:solidFill>
-                <a:effectLst/>
-                <a:latin typeface="Consolas" panose="020B0609020204030204" pitchFamily="49" charset="0"/>
-              </a:rPr>
-              <a:t>jsx</a:t>
-            </a:r>
-            <a:r>
-              <a:rPr lang="en-US" altLang="zh-CN" b="0" dirty="0">
-                <a:solidFill>
-                  <a:srgbClr val="CCCCCC"/>
-                </a:solidFill>
-                <a:effectLst/>
-                <a:latin typeface="Consolas" panose="020B0609020204030204" pitchFamily="49" charset="0"/>
-              </a:rPr>
-              <a:t> </a:t>
-            </a:r>
-            <a:r>
-              <a:rPr lang="zh-CN" altLang="en-US" b="0" dirty="0">
-                <a:solidFill>
-                  <a:srgbClr val="CCCCCC"/>
-                </a:solidFill>
-                <a:effectLst/>
-                <a:latin typeface="Consolas" panose="020B0609020204030204" pitchFamily="49" charset="0"/>
-              </a:rPr>
-              <a:t>的插件会在编译过程中把 </a:t>
-            </a:r>
-            <a:r>
-              <a:rPr lang="en-US" altLang="zh-CN" b="0" dirty="0">
-                <a:solidFill>
-                  <a:srgbClr val="CCCCCC"/>
-                </a:solidFill>
-                <a:effectLst/>
-                <a:latin typeface="Consolas" panose="020B0609020204030204" pitchFamily="49" charset="0"/>
-              </a:rPr>
-              <a:t>JSX </a:t>
-            </a:r>
-            <a:r>
-              <a:rPr lang="zh-CN" altLang="en-US" b="0" dirty="0">
-                <a:solidFill>
-                  <a:srgbClr val="CCCCCC"/>
-                </a:solidFill>
-                <a:effectLst/>
-                <a:latin typeface="Consolas" panose="020B0609020204030204" pitchFamily="49" charset="0"/>
-              </a:rPr>
-              <a:t>代码转换为 </a:t>
-            </a:r>
-            <a:r>
-              <a:rPr lang="en-US" altLang="zh-CN" b="0" dirty="0" err="1">
-                <a:solidFill>
-                  <a:srgbClr val="CCCCCC"/>
-                </a:solidFill>
-                <a:effectLst/>
-                <a:latin typeface="Consolas" panose="020B0609020204030204" pitchFamily="49" charset="0"/>
-              </a:rPr>
-              <a:t>createElement</a:t>
-            </a:r>
-            <a:r>
-              <a:rPr lang="en-US" altLang="zh-CN" b="0" dirty="0">
-                <a:solidFill>
-                  <a:srgbClr val="CCCCCC"/>
-                </a:solidFill>
-                <a:effectLst/>
-                <a:latin typeface="Consolas" panose="020B0609020204030204" pitchFamily="49" charset="0"/>
-              </a:rPr>
-              <a:t> </a:t>
-            </a:r>
-            <a:r>
-              <a:rPr lang="zh-CN" altLang="en-US" b="0" dirty="0">
-                <a:solidFill>
-                  <a:srgbClr val="CCCCCC"/>
-                </a:solidFill>
-                <a:effectLst/>
-                <a:latin typeface="Consolas" panose="020B0609020204030204" pitchFamily="49" charset="0"/>
-              </a:rPr>
-              <a:t>表示的 </a:t>
-            </a:r>
-            <a:r>
-              <a:rPr lang="en-US" altLang="zh-CN" b="0" dirty="0" err="1">
-                <a:solidFill>
-                  <a:srgbClr val="CCCCCC"/>
-                </a:solidFill>
-                <a:effectLst/>
-                <a:latin typeface="Consolas" panose="020B0609020204030204" pitchFamily="49" charset="0"/>
-              </a:rPr>
-              <a:t>javascript</a:t>
-            </a:r>
-            <a:r>
-              <a:rPr lang="en-US" altLang="zh-CN" b="0" dirty="0">
-                <a:solidFill>
-                  <a:srgbClr val="CCCCCC"/>
-                </a:solidFill>
-                <a:effectLst/>
-                <a:latin typeface="Consolas" panose="020B0609020204030204" pitchFamily="49" charset="0"/>
-              </a:rPr>
-              <a:t> </a:t>
-            </a:r>
-            <a:r>
-              <a:rPr lang="zh-CN" altLang="en-US" b="0" dirty="0">
-                <a:solidFill>
-                  <a:srgbClr val="CCCCCC"/>
-                </a:solidFill>
-                <a:effectLst/>
-                <a:latin typeface="Consolas" panose="020B0609020204030204" pitchFamily="49" charset="0"/>
-              </a:rPr>
-              <a:t>对象</a:t>
-            </a:r>
-          </a:p>
-          <a:p>
-            <a:endParaRPr lang="zh-CN" altLang="en-US" dirty="0"/>
+              <a:rPr lang="en-US" altLang="zh-CN" dirty="0" err="1"/>
+              <a:t>umi</a:t>
+            </a:r>
+            <a:r>
+              <a:rPr lang="zh-CN" altLang="en-US" dirty="0"/>
+              <a:t>脚手架是什么， 添加动图，添加</a:t>
+            </a:r>
+            <a:r>
+              <a:rPr lang="en-US" altLang="zh-CN" dirty="0"/>
+              <a:t>create-react-app</a:t>
+            </a:r>
+            <a:r>
+              <a:rPr lang="zh-CN" altLang="en-US" dirty="0"/>
+              <a:t>两种方式，下面添加代码目录</a:t>
+            </a:r>
           </a:p>
         </p:txBody>
       </p:sp>
@@ -1991,7 +1776,7 @@
           <a:p>
             <a:fld id="{F9E1B693-632D-4080-9CF6-EA28B66DC801}" type="slidenum">
               <a:rPr lang="zh-CN" altLang="en-US" smtClean="0"/>
-              <a:t>8</a:t>
+              <a:t>7</a:t>
             </a:fld>
             <a:endParaRPr lang="zh-CN" altLang="en-US"/>
           </a:p>
@@ -2000,7 +1785,7 @@
     </p:spTree>
     <p:extLst>
       <p:ext uri="{BB962C8B-B14F-4D97-AF65-F5344CB8AC3E}">
-        <p14:creationId xmlns:p14="http://schemas.microsoft.com/office/powerpoint/2010/main" val="3309156422"/>
+        <p14:creationId xmlns:p14="http://schemas.microsoft.com/office/powerpoint/2010/main" val="3790100295"/>
       </p:ext>
     </p:extLst>
   </p:cSld>
@@ -2075,7 +1860,7 @@
           <a:p>
             <a:fld id="{F9E1B693-632D-4080-9CF6-EA28B66DC801}" type="slidenum">
               <a:rPr lang="zh-CN" altLang="en-US" smtClean="0"/>
-              <a:t>26</a:t>
+              <a:t>25</a:t>
             </a:fld>
             <a:endParaRPr lang="zh-CN" altLang="en-US"/>
           </a:p>
@@ -2084,7 +1869,7 @@
     </p:spTree>
     <p:extLst>
       <p:ext uri="{BB962C8B-B14F-4D97-AF65-F5344CB8AC3E}">
-        <p14:creationId xmlns:p14="http://schemas.microsoft.com/office/powerpoint/2010/main" val="3396497386"/>
+        <p14:creationId xmlns:p14="http://schemas.microsoft.com/office/powerpoint/2010/main" val="1724430315"/>
       </p:ext>
     </p:extLst>
   </p:cSld>
@@ -2159,7 +1944,7 @@
           <a:p>
             <a:fld id="{F9E1B693-632D-4080-9CF6-EA28B66DC801}" type="slidenum">
               <a:rPr lang="zh-CN" altLang="en-US" smtClean="0"/>
-              <a:t>27</a:t>
+              <a:t>26</a:t>
             </a:fld>
             <a:endParaRPr lang="zh-CN" altLang="en-US"/>
           </a:p>
@@ -2168,7 +1953,7 @@
     </p:spTree>
     <p:extLst>
       <p:ext uri="{BB962C8B-B14F-4D97-AF65-F5344CB8AC3E}">
-        <p14:creationId xmlns:p14="http://schemas.microsoft.com/office/powerpoint/2010/main" val="4091214073"/>
+        <p14:creationId xmlns:p14="http://schemas.microsoft.com/office/powerpoint/2010/main" val="3396497386"/>
       </p:ext>
     </p:extLst>
   </p:cSld>
@@ -2222,48 +2007,7 @@
           <a:bodyPr/>
           <a:lstStyle/>
           <a:p>
-            <a:pPr marL="0" marR="0" lvl="0" indent="0" algn="l" defTabSz="914400" rtl="0" eaLnBrk="1" fontAlgn="auto" latinLnBrk="0" hangingPunct="1">
-              <a:lnSpc>
-                <a:spcPct val="100000"/>
-              </a:lnSpc>
-              <a:spcBef>
-                <a:spcPts val="0"/>
-              </a:spcBef>
-              <a:spcAft>
-                <a:spcPts val="0"/>
-              </a:spcAft>
-              <a:buClrTx/>
-              <a:buSzTx/>
-              <a:buFontTx/>
-              <a:buNone/>
-              <a:tabLst/>
-              <a:defRPr/>
-            </a:pPr>
-            <a:r>
-              <a:rPr lang="en-US" altLang="zh-CN" dirty="0"/>
-              <a:t>[1]</a:t>
-            </a:r>
-            <a:r>
-              <a:rPr lang="zh-CN" altLang="en-US" dirty="0"/>
-              <a:t>这个案例是在第一个案例</a:t>
-            </a:r>
-            <a:r>
-              <a:rPr lang="en-US" altLang="zh-CN" dirty="0" err="1"/>
-              <a:t>TodoList</a:t>
-            </a:r>
-            <a:r>
-              <a:rPr lang="zh-CN" altLang="en-US" dirty="0"/>
-              <a:t>的基础上进行的，对</a:t>
-            </a:r>
-            <a:r>
-              <a:rPr lang="en-US" altLang="zh-CN" dirty="0" err="1"/>
-              <a:t>TodoList</a:t>
-            </a:r>
-            <a:r>
-              <a:rPr lang="zh-CN" altLang="en-US" dirty="0"/>
-              <a:t>案例模拟进行了组件拆分，以及演练组件间如何通信和复用，还有模拟点击每一个列表跳转详情。</a:t>
-            </a:r>
-            <a:endParaRPr lang="en-US" altLang="zh-CN" dirty="0"/>
+            <a:endParaRPr lang="zh-CN" altLang="en-US" dirty="0"/>
           </a:p>
         </p:txBody>
       </p:sp>
@@ -2284,7 +2028,7 @@
           <a:p>
             <a:fld id="{F9E1B693-632D-4080-9CF6-EA28B66DC801}" type="slidenum">
               <a:rPr lang="zh-CN" altLang="en-US" smtClean="0"/>
-              <a:t>28</a:t>
+              <a:t>27</a:t>
             </a:fld>
             <a:endParaRPr lang="zh-CN" altLang="en-US"/>
           </a:p>
@@ -2293,7 +2037,7 @@
     </p:spTree>
     <p:extLst>
       <p:ext uri="{BB962C8B-B14F-4D97-AF65-F5344CB8AC3E}">
-        <p14:creationId xmlns:p14="http://schemas.microsoft.com/office/powerpoint/2010/main" val="2551145485"/>
+        <p14:creationId xmlns:p14="http://schemas.microsoft.com/office/powerpoint/2010/main" val="4091214073"/>
       </p:ext>
     </p:extLst>
   </p:cSld>
@@ -2364,116 +2108,31 @@
               <a:tabLst/>
               <a:defRPr/>
             </a:pPr>
-            <a:endParaRPr lang="en-US" altLang="zh-CN" dirty="0"/>
-          </a:p>
-          <a:p>
-            <a:pPr marL="0" marR="0" lvl="0" indent="0" algn="l" defTabSz="914400" rtl="0" eaLnBrk="1" fontAlgn="auto" latinLnBrk="0" hangingPunct="1">
-              <a:lnSpc>
-                <a:spcPct val="100000"/>
-              </a:lnSpc>
-              <a:spcBef>
-                <a:spcPts val="0"/>
-              </a:spcBef>
-              <a:spcAft>
-                <a:spcPts val="0"/>
-              </a:spcAft>
-              <a:buClrTx/>
-              <a:buSzTx/>
-              <a:buFontTx/>
-              <a:buNone/>
-              <a:tabLst/>
-              <a:defRPr/>
-            </a:pPr>
-            <a:r>
-              <a:rPr lang="en-US" altLang="zh-CN" b="0" dirty="0">
-                <a:solidFill>
-                  <a:srgbClr val="6A9955"/>
-                </a:solidFill>
-                <a:effectLst/>
-                <a:latin typeface="Consolas" panose="020B0609020204030204" pitchFamily="49" charset="0"/>
-              </a:rPr>
-              <a:t>[2]</a:t>
-            </a:r>
-            <a:r>
-              <a:rPr lang="zh-CN" altLang="en-US" b="0" dirty="0">
-                <a:solidFill>
-                  <a:srgbClr val="6A9955"/>
-                </a:solidFill>
-                <a:effectLst/>
-                <a:latin typeface="Consolas" panose="020B0609020204030204" pitchFamily="49" charset="0"/>
-              </a:rPr>
-              <a:t>通过这个案例，我们对组件化开发、组件通信方式、路由跳转等知识进行了练习。那其实</a:t>
-            </a:r>
-            <a:r>
-              <a:rPr lang="en-US" altLang="zh-CN" b="0" dirty="0">
-                <a:solidFill>
-                  <a:srgbClr val="6A9955"/>
-                </a:solidFill>
-                <a:effectLst/>
-                <a:latin typeface="Consolas" panose="020B0609020204030204" pitchFamily="49" charset="0"/>
-              </a:rPr>
-              <a:t>react</a:t>
-            </a:r>
-            <a:r>
-              <a:rPr lang="zh-CN" altLang="en-US" b="0" dirty="0">
-                <a:solidFill>
-                  <a:srgbClr val="6A9955"/>
-                </a:solidFill>
-                <a:effectLst/>
-                <a:latin typeface="Consolas" panose="020B0609020204030204" pitchFamily="49" charset="0"/>
-              </a:rPr>
-              <a:t>也有对应的</a:t>
-            </a:r>
-            <a:r>
-              <a:rPr lang="en-US" altLang="zh-CN" b="0" dirty="0" err="1">
-                <a:solidFill>
-                  <a:srgbClr val="6A9955"/>
-                </a:solidFill>
-                <a:effectLst/>
-                <a:latin typeface="Consolas" panose="020B0609020204030204" pitchFamily="49" charset="0"/>
-              </a:rPr>
-              <a:t>ui</a:t>
-            </a:r>
-            <a:r>
-              <a:rPr lang="zh-CN" altLang="en-US" b="0" dirty="0">
-                <a:solidFill>
-                  <a:srgbClr val="6A9955"/>
-                </a:solidFill>
-                <a:effectLst/>
-                <a:latin typeface="Consolas" panose="020B0609020204030204" pitchFamily="49" charset="0"/>
-              </a:rPr>
-              <a:t>库</a:t>
-            </a:r>
-            <a:r>
-              <a:rPr lang="en-US" altLang="zh-CN" b="0" dirty="0" err="1">
-                <a:solidFill>
-                  <a:srgbClr val="6A9955"/>
-                </a:solidFill>
-                <a:effectLst/>
-                <a:latin typeface="Consolas" panose="020B0609020204030204" pitchFamily="49" charset="0"/>
-              </a:rPr>
-              <a:t>Antd</a:t>
-            </a:r>
-            <a:r>
-              <a:rPr lang="zh-CN" altLang="en-US" b="0" dirty="0">
-                <a:solidFill>
-                  <a:srgbClr val="6A9955"/>
-                </a:solidFill>
-                <a:effectLst/>
-                <a:latin typeface="Consolas" panose="020B0609020204030204" pitchFamily="49" charset="0"/>
-              </a:rPr>
-              <a:t>，下面来看看</a:t>
-            </a:r>
-            <a:endParaRPr lang="zh-CN" altLang="en-US" b="0" dirty="0">
-              <a:solidFill>
-                <a:srgbClr val="CCCCCC"/>
-              </a:solidFill>
-              <a:effectLst/>
-              <a:latin typeface="Consolas" panose="020B0609020204030204" pitchFamily="49" charset="0"/>
-            </a:endParaRPr>
-          </a:p>
-          <a:p>
-            <a:endParaRPr lang="zh-CN" altLang="en-US" dirty="0"/>
+            <a:r>
+              <a:rPr lang="en-US" altLang="zh-CN" dirty="0"/>
+              <a:t>[1]</a:t>
+            </a:r>
+            <a:r>
+              <a:rPr lang="zh-CN" altLang="en-US" dirty="0"/>
+              <a:t>这个案例是在第一个案例</a:t>
+            </a:r>
+            <a:r>
+              <a:rPr lang="en-US" altLang="zh-CN" dirty="0" err="1"/>
+              <a:t>TodoList</a:t>
+            </a:r>
+            <a:r>
+              <a:rPr lang="zh-CN" altLang="en-US" dirty="0"/>
+              <a:t>的基础上进行的，对</a:t>
+            </a:r>
+            <a:r>
+              <a:rPr lang="en-US" altLang="zh-CN" dirty="0" err="1"/>
+              <a:t>TodoList</a:t>
+            </a:r>
+            <a:r>
+              <a:rPr lang="zh-CN" altLang="en-US" dirty="0"/>
+              <a:t>案例模拟进行了组件拆分，以及演练组件间如何通信和复用，还有模拟点击每一个列表跳转详情。</a:t>
+            </a:r>
+            <a:endParaRPr lang="en-US" altLang="zh-CN" dirty="0"/>
           </a:p>
         </p:txBody>
       </p:sp>
@@ -2494,7 +2153,7 @@
           <a:p>
             <a:fld id="{F9E1B693-632D-4080-9CF6-EA28B66DC801}" type="slidenum">
               <a:rPr lang="zh-CN" altLang="en-US" smtClean="0"/>
-              <a:t>29</a:t>
+              <a:t>28</a:t>
             </a:fld>
             <a:endParaRPr lang="zh-CN" altLang="en-US"/>
           </a:p>
@@ -2503,7 +2162,7 @@
     </p:spTree>
     <p:extLst>
       <p:ext uri="{BB962C8B-B14F-4D97-AF65-F5344CB8AC3E}">
-        <p14:creationId xmlns:p14="http://schemas.microsoft.com/office/powerpoint/2010/main" val="2247963627"/>
+        <p14:creationId xmlns:p14="http://schemas.microsoft.com/office/powerpoint/2010/main" val="2551145485"/>
       </p:ext>
     </p:extLst>
   </p:cSld>
@@ -2574,6 +2233,115 @@
               <a:tabLst/>
               <a:defRPr/>
             </a:pPr>
+            <a:endParaRPr lang="en-US" altLang="zh-CN" dirty="0"/>
+          </a:p>
+          <a:p>
+            <a:pPr marL="0" marR="0" lvl="0" indent="0" algn="l" defTabSz="914400" rtl="0" eaLnBrk="1" fontAlgn="auto" latinLnBrk="0" hangingPunct="1">
+              <a:lnSpc>
+                <a:spcPct val="100000"/>
+              </a:lnSpc>
+              <a:spcBef>
+                <a:spcPts val="0"/>
+              </a:spcBef>
+              <a:spcAft>
+                <a:spcPts val="0"/>
+              </a:spcAft>
+              <a:buClrTx/>
+              <a:buSzTx/>
+              <a:buFontTx/>
+              <a:buNone/>
+              <a:tabLst/>
+              <a:defRPr/>
+            </a:pPr>
+            <a:r>
+              <a:rPr lang="en-US" altLang="zh-CN" b="0" dirty="0">
+                <a:solidFill>
+                  <a:srgbClr val="6A9955"/>
+                </a:solidFill>
+                <a:effectLst/>
+                <a:latin typeface="Consolas" panose="020B0609020204030204" pitchFamily="49" charset="0"/>
+              </a:rPr>
+              <a:t>[2]</a:t>
+            </a:r>
+            <a:r>
+              <a:rPr lang="zh-CN" altLang="en-US" b="0" dirty="0">
+                <a:solidFill>
+                  <a:srgbClr val="6A9955"/>
+                </a:solidFill>
+                <a:effectLst/>
+                <a:latin typeface="Consolas" panose="020B0609020204030204" pitchFamily="49" charset="0"/>
+              </a:rPr>
+              <a:t>通过这个案例，我们对组件化开发、组件通信方式、路由跳转等知识进行了练习。那其实</a:t>
+            </a:r>
+            <a:r>
+              <a:rPr lang="en-US" altLang="zh-CN" b="0" dirty="0">
+                <a:solidFill>
+                  <a:srgbClr val="6A9955"/>
+                </a:solidFill>
+                <a:effectLst/>
+                <a:latin typeface="Consolas" panose="020B0609020204030204" pitchFamily="49" charset="0"/>
+              </a:rPr>
+              <a:t>react</a:t>
+            </a:r>
+            <a:r>
+              <a:rPr lang="zh-CN" altLang="en-US" b="0" dirty="0">
+                <a:solidFill>
+                  <a:srgbClr val="6A9955"/>
+                </a:solidFill>
+                <a:effectLst/>
+                <a:latin typeface="Consolas" panose="020B0609020204030204" pitchFamily="49" charset="0"/>
+              </a:rPr>
+              <a:t>也有对应的</a:t>
+            </a:r>
+            <a:r>
+              <a:rPr lang="en-US" altLang="zh-CN" b="0" dirty="0" err="1">
+                <a:solidFill>
+                  <a:srgbClr val="6A9955"/>
+                </a:solidFill>
+                <a:effectLst/>
+                <a:latin typeface="Consolas" panose="020B0609020204030204" pitchFamily="49" charset="0"/>
+              </a:rPr>
+              <a:t>ui</a:t>
+            </a:r>
+            <a:r>
+              <a:rPr lang="zh-CN" altLang="en-US" b="0" dirty="0">
+                <a:solidFill>
+                  <a:srgbClr val="6A9955"/>
+                </a:solidFill>
+                <a:effectLst/>
+                <a:latin typeface="Consolas" panose="020B0609020204030204" pitchFamily="49" charset="0"/>
+              </a:rPr>
+              <a:t>库</a:t>
+            </a:r>
+            <a:r>
+              <a:rPr lang="en-US" altLang="zh-CN" b="0" dirty="0" err="1">
+                <a:solidFill>
+                  <a:srgbClr val="6A9955"/>
+                </a:solidFill>
+                <a:effectLst/>
+                <a:latin typeface="Consolas" panose="020B0609020204030204" pitchFamily="49" charset="0"/>
+              </a:rPr>
+              <a:t>Antd</a:t>
+            </a:r>
+            <a:r>
+              <a:rPr lang="zh-CN" altLang="en-US" b="0" dirty="0">
+                <a:solidFill>
+                  <a:srgbClr val="6A9955"/>
+                </a:solidFill>
+                <a:effectLst/>
+                <a:latin typeface="Consolas" panose="020B0609020204030204" pitchFamily="49" charset="0"/>
+              </a:rPr>
+              <a:t>，下面来看看</a:t>
+            </a:r>
+            <a:endParaRPr lang="zh-CN" altLang="en-US" b="0" dirty="0">
+              <a:solidFill>
+                <a:srgbClr val="CCCCCC"/>
+              </a:solidFill>
+              <a:effectLst/>
+              <a:latin typeface="Consolas" panose="020B0609020204030204" pitchFamily="49" charset="0"/>
+            </a:endParaRPr>
+          </a:p>
+          <a:p>
             <a:endParaRPr lang="zh-CN" altLang="en-US" dirty="0"/>
           </a:p>
         </p:txBody>
@@ -2595,7 +2363,7 @@
           <a:p>
             <a:fld id="{F9E1B693-632D-4080-9CF6-EA28B66DC801}" type="slidenum">
               <a:rPr lang="zh-CN" altLang="en-US" smtClean="0"/>
-              <a:t>31</a:t>
+              <a:t>29</a:t>
             </a:fld>
             <a:endParaRPr lang="zh-CN" altLang="en-US"/>
           </a:p>
@@ -2604,7 +2372,7 @@
     </p:spTree>
     <p:extLst>
       <p:ext uri="{BB962C8B-B14F-4D97-AF65-F5344CB8AC3E}">
-        <p14:creationId xmlns:p14="http://schemas.microsoft.com/office/powerpoint/2010/main" val="932352610"/>
+        <p14:creationId xmlns:p14="http://schemas.microsoft.com/office/powerpoint/2010/main" val="2247963627"/>
       </p:ext>
     </p:extLst>
   </p:cSld>
@@ -2675,6 +2443,107 @@
               <a:tabLst/>
               <a:defRPr/>
             </a:pPr>
+            <a:endParaRPr lang="zh-CN" altLang="en-US" dirty="0"/>
+          </a:p>
+        </p:txBody>
+      </p:sp>
+      <p:sp>
+        <p:nvSpPr>
+          <p:cNvPr id="4" name="灯片编号占位符 3"/>
+          <p:cNvSpPr>
+            <a:spLocks noGrp="1"/>
+          </p:cNvSpPr>
+          <p:nvPr>
+            <p:ph type="sldNum" sz="quarter" idx="5"/>
+          </p:nvPr>
+        </p:nvSpPr>
+        <p:spPr/>
+        <p:txBody>
+          <a:bodyPr/>
+          <a:lstStyle/>
+          <a:p>
+            <a:fld id="{F9E1B693-632D-4080-9CF6-EA28B66DC801}" type="slidenum">
+              <a:rPr lang="zh-CN" altLang="en-US" smtClean="0"/>
+              <a:t>31</a:t>
+            </a:fld>
+            <a:endParaRPr lang="zh-CN" altLang="en-US"/>
+          </a:p>
+        </p:txBody>
+      </p:sp>
+    </p:spTree>
+    <p:extLst>
+      <p:ext uri="{BB962C8B-B14F-4D97-AF65-F5344CB8AC3E}">
+        <p14:creationId xmlns:p14="http://schemas.microsoft.com/office/powerpoint/2010/main" val="932352610"/>
+      </p:ext>
+    </p:extLst>
+  </p:cSld>
+  <p:clrMapOvr>
+    <a:masterClrMapping/>
+  </p:clrMapOvr>
+</p:notes>
+</file>
+
+<file path=ppt/notesSlides/notesSlide26.xml><?xml version="1.0" encoding="utf-8"?>
+<p:notes xmlns:a="http://schemas.openxmlformats.org/drawingml/2006/main" xmlns:r="http://schemas.openxmlformats.org/officeDocument/2006/relationships" xmlns:p="http://schemas.openxmlformats.org/presentationml/2006/main">
+  <p:cSld>
+    <p:spTree>
+      <p:nvGrpSpPr>
+        <p:cNvPr id="1" name=""/>
+        <p:cNvGrpSpPr/>
+        <p:nvPr/>
+      </p:nvGrpSpPr>
+      <p:grpSpPr>
+        <a:xfrm>
+          <a:off x="0" y="0"/>
+          <a:ext cx="0" cy="0"/>
+          <a:chOff x="0" y="0"/>
+          <a:chExt cx="0" cy="0"/>
+        </a:xfrm>
+      </p:grpSpPr>
+      <p:sp>
+        <p:nvSpPr>
+          <p:cNvPr id="2" name="幻灯片图像占位符 1"/>
+          <p:cNvSpPr>
+            <a:spLocks noGrp="1" noRot="1" noChangeAspect="1"/>
+          </p:cNvSpPr>
+          <p:nvPr>
+            <p:ph type="sldImg"/>
+          </p:nvPr>
+        </p:nvSpPr>
+        <p:spPr/>
+      </p:sp>
+      <p:sp>
+        <p:nvSpPr>
+          <p:cNvPr id="3" name="备注占位符 2"/>
+          <p:cNvSpPr>
+            <a:spLocks noGrp="1"/>
+          </p:cNvSpPr>
+          <p:nvPr>
+            <p:ph type="body" idx="1"/>
+          </p:nvPr>
+        </p:nvSpPr>
+        <p:spPr/>
+        <p:txBody>
+          <a:bodyPr/>
+          <a:lstStyle/>
+          <a:p>
+            <a:pPr marL="0" marR="0" lvl="0" indent="0" algn="l" defTabSz="914400" rtl="0" eaLnBrk="1" fontAlgn="auto" latinLnBrk="0" hangingPunct="1">
+              <a:lnSpc>
+                <a:spcPct val="100000"/>
+              </a:lnSpc>
+              <a:spcBef>
+                <a:spcPts val="0"/>
+              </a:spcBef>
+              <a:spcAft>
+                <a:spcPts val="0"/>
+              </a:spcAft>
+              <a:buClrTx/>
+              <a:buSzTx/>
+              <a:buFontTx/>
+              <a:buNone/>
+              <a:tabLst/>
+              <a:defRPr/>
+            </a:pPr>
             <a:r>
               <a:rPr lang="en-US" altLang="zh-CN" dirty="0"/>
               <a:t>[1]</a:t>
@@ -2721,8 +2590,37 @@
             </a:r>
             <a:r>
               <a:rPr lang="zh-CN" altLang="en-US" dirty="0"/>
-              <a:t>的组件</a:t>
-            </a:r>
+              <a:t>的组件 </a:t>
+            </a:r>
+            <a:endParaRPr lang="en-US" altLang="zh-CN" dirty="0"/>
+          </a:p>
+          <a:p>
+            <a:pPr marL="0" marR="0" lvl="0" indent="0" algn="l" defTabSz="914400" rtl="0" eaLnBrk="1" fontAlgn="auto" latinLnBrk="0" hangingPunct="1">
+              <a:lnSpc>
+                <a:spcPct val="100000"/>
+              </a:lnSpc>
+              <a:spcBef>
+                <a:spcPts val="0"/>
+              </a:spcBef>
+              <a:spcAft>
+                <a:spcPts val="0"/>
+              </a:spcAft>
+              <a:buClrTx/>
+              <a:buSzTx/>
+              <a:buFontTx/>
+              <a:buNone/>
+              <a:tabLst/>
+              <a:defRPr/>
+            </a:pPr>
+            <a:r>
+              <a:rPr lang="zh-CN" altLang="en-US" dirty="0"/>
+              <a:t>介绍</a:t>
+            </a:r>
+            <a:r>
+              <a:rPr lang="en-US" altLang="zh-CN" dirty="0" err="1"/>
+              <a:t>Procomponents</a:t>
+            </a:r>
+            <a:endParaRPr lang="zh-CN" altLang="en-US" dirty="0"/>
           </a:p>
         </p:txBody>
       </p:sp>
@@ -2806,84 +2704,242 @@
           <a:bodyPr/>
           <a:lstStyle/>
           <a:p>
+            <a:pPr marL="0" marR="0" lvl="0" indent="0" algn="l" defTabSz="914400" rtl="0" eaLnBrk="1" fontAlgn="auto" latinLnBrk="0" hangingPunct="1">
+              <a:lnSpc>
+                <a:spcPct val="100000"/>
+              </a:lnSpc>
+              <a:spcBef>
+                <a:spcPts val="0"/>
+              </a:spcBef>
+              <a:spcAft>
+                <a:spcPts val="0"/>
+              </a:spcAft>
+              <a:buClrTx/>
+              <a:buSzTx/>
+              <a:buFontTx/>
+              <a:buNone/>
+              <a:tabLst/>
+              <a:defRPr/>
+            </a:pPr>
             <a:r>
               <a:rPr lang="en-US" altLang="zh-CN" dirty="0"/>
               <a:t>[1]</a:t>
             </a:r>
             <a:r>
               <a:rPr lang="zh-CN" altLang="en-US" dirty="0"/>
-              <a:t>那有的人会说，我</a:t>
-            </a:r>
-            <a:r>
-              <a:rPr lang="en-US" altLang="zh-CN" dirty="0"/>
+              <a:t>那大家可能会有疑问，浏览器是怎么识别</a:t>
+            </a:r>
+            <a:r>
+              <a:rPr lang="en-US" altLang="zh-CN" dirty="0"/>
+              <a:t>JSX</a:t>
+            </a:r>
+            <a:r>
+              <a:rPr lang="zh-CN" altLang="en-US" dirty="0"/>
+              <a:t>代码的呢？</a:t>
+            </a:r>
+            <a:r>
+              <a:rPr lang="zh-CN" altLang="en-US" b="0" dirty="0">
+                <a:solidFill>
+                  <a:srgbClr val="CCCCCC"/>
+                </a:solidFill>
+                <a:effectLst/>
+                <a:latin typeface="Consolas" panose="020B0609020204030204" pitchFamily="49" charset="0"/>
+              </a:rPr>
+              <a:t>浏览器只认识 </a:t>
+            </a:r>
+            <a:r>
+              <a:rPr lang="en-US" altLang="zh-CN" b="0" dirty="0">
+                <a:solidFill>
+                  <a:srgbClr val="CCCCCC"/>
+                </a:solidFill>
+                <a:effectLst/>
+                <a:latin typeface="Consolas" panose="020B0609020204030204" pitchFamily="49" charset="0"/>
+              </a:rPr>
               <a:t>html</a:t>
             </a:r>
             <a:r>
-              <a:rPr lang="zh-CN" altLang="en-US" dirty="0"/>
-              <a:t>的数据不是静态的，是动态渲染的，那怎么做呢？</a:t>
-            </a:r>
-            <a:endParaRPr lang="en-US" altLang="zh-CN" dirty="0"/>
-          </a:p>
-          <a:p>
-            <a:r>
-              <a:rPr lang="en-US" altLang="zh-CN" dirty="0"/>
-              <a:t>[2]style= XXX</a:t>
-            </a:r>
-            <a:r>
-              <a:rPr lang="zh-CN" altLang="en-US" dirty="0"/>
-              <a:t>，外面的括号是把里面的当做</a:t>
-            </a:r>
-            <a:r>
-              <a:rPr lang="en-US" altLang="zh-CN" dirty="0"/>
-              <a:t>JS</a:t>
-            </a:r>
-            <a:r>
-              <a:rPr lang="zh-CN" altLang="en-US" dirty="0"/>
-              <a:t>表达式去执行，里面的括号是</a:t>
-            </a:r>
-            <a:r>
-              <a:rPr lang="en-US" altLang="zh-CN" dirty="0"/>
-              <a:t>style</a:t>
-            </a:r>
-            <a:r>
-              <a:rPr lang="zh-CN" altLang="en-US" dirty="0"/>
-              <a:t>的括号</a:t>
-            </a:r>
-            <a:endParaRPr lang="en-US" altLang="zh-CN" dirty="0"/>
-          </a:p>
-          <a:p>
-            <a:r>
-              <a:rPr lang="en-US" altLang="zh-CN" dirty="0"/>
-              <a:t>    </a:t>
-            </a:r>
-            <a:r>
-              <a:rPr lang="zh-CN" altLang="en-US" dirty="0"/>
-              <a:t>用</a:t>
-            </a:r>
-            <a:r>
-              <a:rPr lang="en-US" altLang="zh-CN" dirty="0" err="1"/>
-              <a:t>className</a:t>
-            </a:r>
-            <a:r>
-              <a:rPr lang="zh-CN" altLang="en-US" dirty="0"/>
-              <a:t>是因为，</a:t>
-            </a:r>
-            <a:r>
-              <a:rPr lang="en-US" altLang="zh-CN" dirty="0"/>
-              <a:t>class</a:t>
-            </a:r>
-            <a:r>
-              <a:rPr lang="zh-CN" altLang="en-US" dirty="0"/>
-              <a:t>是</a:t>
-            </a:r>
-            <a:r>
-              <a:rPr lang="en-US" altLang="zh-CN" dirty="0"/>
-              <a:t>react</a:t>
-            </a:r>
-            <a:r>
-              <a:rPr lang="zh-CN" altLang="en-US" dirty="0"/>
-              <a:t>类组件的关键字，在这里不加赘述</a:t>
-            </a:r>
+              <a:rPr lang="zh-CN" altLang="en-US" b="0" dirty="0">
+                <a:solidFill>
+                  <a:srgbClr val="CCCCCC"/>
+                </a:solidFill>
+                <a:effectLst/>
+                <a:latin typeface="Consolas" panose="020B0609020204030204" pitchFamily="49" charset="0"/>
+              </a:rPr>
+              <a:t>，</a:t>
+            </a:r>
+            <a:r>
+              <a:rPr lang="en-US" altLang="zh-CN" b="0" dirty="0" err="1">
+                <a:solidFill>
+                  <a:srgbClr val="CCCCCC"/>
+                </a:solidFill>
+                <a:effectLst/>
+                <a:latin typeface="Consolas" panose="020B0609020204030204" pitchFamily="49" charset="0"/>
+              </a:rPr>
+              <a:t>css</a:t>
+            </a:r>
+            <a:r>
+              <a:rPr lang="en-US" altLang="zh-CN" b="0" dirty="0">
+                <a:solidFill>
+                  <a:srgbClr val="CCCCCC"/>
+                </a:solidFill>
+                <a:effectLst/>
+                <a:latin typeface="Consolas" panose="020B0609020204030204" pitchFamily="49" charset="0"/>
+              </a:rPr>
+              <a:t> </a:t>
+            </a:r>
+            <a:r>
+              <a:rPr lang="zh-CN" altLang="en-US" b="0" dirty="0">
+                <a:solidFill>
+                  <a:srgbClr val="CCCCCC"/>
+                </a:solidFill>
+                <a:effectLst/>
+                <a:latin typeface="Consolas" panose="020B0609020204030204" pitchFamily="49" charset="0"/>
+              </a:rPr>
+              <a:t>和 </a:t>
+            </a:r>
+            <a:r>
+              <a:rPr lang="en-US" altLang="zh-CN" b="0" dirty="0" err="1">
+                <a:solidFill>
+                  <a:srgbClr val="CCCCCC"/>
+                </a:solidFill>
+                <a:effectLst/>
+                <a:latin typeface="Consolas" panose="020B0609020204030204" pitchFamily="49" charset="0"/>
+              </a:rPr>
+              <a:t>js</a:t>
+            </a:r>
+            <a:r>
+              <a:rPr lang="zh-CN" altLang="en-US" b="0" dirty="0">
+                <a:solidFill>
+                  <a:srgbClr val="CCCCCC"/>
+                </a:solidFill>
+                <a:effectLst/>
+                <a:latin typeface="Consolas" panose="020B0609020204030204" pitchFamily="49" charset="0"/>
+              </a:rPr>
+              <a:t>，有 </a:t>
+            </a:r>
+            <a:r>
+              <a:rPr lang="en-US" altLang="zh-CN" b="0" dirty="0">
+                <a:solidFill>
+                  <a:srgbClr val="CCCCCC"/>
+                </a:solidFill>
+                <a:effectLst/>
+                <a:latin typeface="Consolas" panose="020B0609020204030204" pitchFamily="49" charset="0"/>
+              </a:rPr>
+              <a:t>babel-</a:t>
+            </a:r>
+            <a:r>
+              <a:rPr lang="en-US" altLang="zh-CN" b="0" dirty="0" err="1">
+                <a:solidFill>
+                  <a:srgbClr val="CCCCCC"/>
+                </a:solidFill>
+                <a:effectLst/>
+                <a:latin typeface="Consolas" panose="020B0609020204030204" pitchFamily="49" charset="0"/>
+              </a:rPr>
+              <a:t>jsx</a:t>
+            </a:r>
+            <a:r>
+              <a:rPr lang="en-US" altLang="zh-CN" b="0" dirty="0">
+                <a:solidFill>
+                  <a:srgbClr val="CCCCCC"/>
+                </a:solidFill>
+                <a:effectLst/>
+                <a:latin typeface="Consolas" panose="020B0609020204030204" pitchFamily="49" charset="0"/>
+              </a:rPr>
+              <a:t> </a:t>
+            </a:r>
+            <a:r>
+              <a:rPr lang="zh-CN" altLang="en-US" b="0" dirty="0">
+                <a:solidFill>
+                  <a:srgbClr val="CCCCCC"/>
+                </a:solidFill>
+                <a:effectLst/>
+                <a:latin typeface="Consolas" panose="020B0609020204030204" pitchFamily="49" charset="0"/>
+              </a:rPr>
+              <a:t>的插件会在编译过程中把 </a:t>
+            </a:r>
+            <a:r>
+              <a:rPr lang="en-US" altLang="zh-CN" b="0" dirty="0">
+                <a:solidFill>
+                  <a:srgbClr val="CCCCCC"/>
+                </a:solidFill>
+                <a:effectLst/>
+                <a:latin typeface="Consolas" panose="020B0609020204030204" pitchFamily="49" charset="0"/>
+              </a:rPr>
+              <a:t>JSX </a:t>
+            </a:r>
+            <a:r>
+              <a:rPr lang="zh-CN" altLang="en-US" b="0" dirty="0">
+                <a:solidFill>
+                  <a:srgbClr val="CCCCCC"/>
+                </a:solidFill>
+                <a:effectLst/>
+                <a:latin typeface="Consolas" panose="020B0609020204030204" pitchFamily="49" charset="0"/>
+              </a:rPr>
+              <a:t>代码转换为 </a:t>
+            </a:r>
+            <a:r>
+              <a:rPr lang="en-US" altLang="zh-CN" b="0" dirty="0" err="1">
+                <a:solidFill>
+                  <a:srgbClr val="CCCCCC"/>
+                </a:solidFill>
+                <a:effectLst/>
+                <a:latin typeface="Consolas" panose="020B0609020204030204" pitchFamily="49" charset="0"/>
+              </a:rPr>
+              <a:t>createElement</a:t>
+            </a:r>
+            <a:r>
+              <a:rPr lang="en-US" altLang="zh-CN" b="0" dirty="0">
+                <a:solidFill>
+                  <a:srgbClr val="CCCCCC"/>
+                </a:solidFill>
+                <a:effectLst/>
+                <a:latin typeface="Consolas" panose="020B0609020204030204" pitchFamily="49" charset="0"/>
+              </a:rPr>
+              <a:t> </a:t>
+            </a:r>
+            <a:r>
+              <a:rPr lang="zh-CN" altLang="en-US" b="0" dirty="0">
+                <a:solidFill>
+                  <a:srgbClr val="CCCCCC"/>
+                </a:solidFill>
+                <a:effectLst/>
+                <a:latin typeface="Consolas" panose="020B0609020204030204" pitchFamily="49" charset="0"/>
+              </a:rPr>
+              <a:t>表示的 </a:t>
+            </a:r>
+            <a:r>
+              <a:rPr lang="en-US" altLang="zh-CN" b="0" dirty="0" err="1">
+                <a:solidFill>
+                  <a:srgbClr val="CCCCCC"/>
+                </a:solidFill>
+                <a:effectLst/>
+                <a:latin typeface="Consolas" panose="020B0609020204030204" pitchFamily="49" charset="0"/>
+              </a:rPr>
+              <a:t>javascript</a:t>
+            </a:r>
+            <a:r>
+              <a:rPr lang="en-US" altLang="zh-CN" b="0" dirty="0">
+                <a:solidFill>
+                  <a:srgbClr val="CCCCCC"/>
+                </a:solidFill>
+                <a:effectLst/>
+                <a:latin typeface="Consolas" panose="020B0609020204030204" pitchFamily="49" charset="0"/>
+              </a:rPr>
+              <a:t> </a:t>
+            </a:r>
+            <a:r>
+              <a:rPr lang="zh-CN" altLang="en-US" b="0" dirty="0">
+                <a:solidFill>
+                  <a:srgbClr val="CCCCCC"/>
+                </a:solidFill>
+                <a:effectLst/>
+                <a:latin typeface="Consolas" panose="020B0609020204030204" pitchFamily="49" charset="0"/>
+              </a:rPr>
+              <a:t>对象</a:t>
+            </a:r>
+          </a:p>
+          <a:p>
+            <a:endParaRPr lang="zh-CN" altLang="en-US" dirty="0"/>
           </a:p>
         </p:txBody>
       </p:sp>
@@ -2904,7 +2960,7 @@
           <a:p>
             <a:fld id="{F9E1B693-632D-4080-9CF6-EA28B66DC801}" type="slidenum">
               <a:rPr lang="zh-CN" altLang="en-US" smtClean="0"/>
-              <a:t>9</a:t>
+              <a:t>8</a:t>
             </a:fld>
             <a:endParaRPr lang="zh-CN" altLang="en-US"/>
           </a:p>
@@ -2913,7 +2969,7 @@
     </p:spTree>
     <p:extLst>
       <p:ext uri="{BB962C8B-B14F-4D97-AF65-F5344CB8AC3E}">
-        <p14:creationId xmlns:p14="http://schemas.microsoft.com/office/powerpoint/2010/main" val="746675372"/>
+        <p14:creationId xmlns:p14="http://schemas.microsoft.com/office/powerpoint/2010/main" val="3309156422"/>
       </p:ext>
     </p:extLst>
   </p:cSld>
@@ -2967,7 +3023,84 @@
           <a:bodyPr/>
           <a:lstStyle/>
           <a:p>
-            <a:endParaRPr lang="zh-CN" altLang="en-US" dirty="0"/>
+            <a:r>
+              <a:rPr lang="en-US" altLang="zh-CN" dirty="0"/>
+              <a:t>[1]</a:t>
+            </a:r>
+            <a:r>
+              <a:rPr lang="zh-CN" altLang="en-US" dirty="0"/>
+              <a:t>那有的人会说，我</a:t>
+            </a:r>
+            <a:r>
+              <a:rPr lang="en-US" altLang="zh-CN" dirty="0"/>
+              <a:t>html</a:t>
+            </a:r>
+            <a:r>
+              <a:rPr lang="zh-CN" altLang="en-US" dirty="0"/>
+              <a:t>的数据不是静态的，是动态渲染的，那怎么做呢？</a:t>
+            </a:r>
+            <a:endParaRPr lang="en-US" altLang="zh-CN" dirty="0"/>
+          </a:p>
+          <a:p>
+            <a:r>
+              <a:rPr lang="en-US" altLang="zh-CN" dirty="0"/>
+              <a:t>[2]style= XXX</a:t>
+            </a:r>
+            <a:r>
+              <a:rPr lang="zh-CN" altLang="en-US" dirty="0"/>
+              <a:t>，外面的括号是把里面的当做</a:t>
+            </a:r>
+            <a:r>
+              <a:rPr lang="en-US" altLang="zh-CN" dirty="0"/>
+              <a:t>JS</a:t>
+            </a:r>
+            <a:r>
+              <a:rPr lang="zh-CN" altLang="en-US" dirty="0"/>
+              <a:t>表达式去执行，里面的括号是</a:t>
+            </a:r>
+            <a:r>
+              <a:rPr lang="en-US" altLang="zh-CN" dirty="0"/>
+              <a:t>style</a:t>
+            </a:r>
+            <a:r>
+              <a:rPr lang="zh-CN" altLang="en-US" dirty="0"/>
+              <a:t>的括号</a:t>
+            </a:r>
+            <a:endParaRPr lang="en-US" altLang="zh-CN" dirty="0"/>
+          </a:p>
+          <a:p>
+            <a:r>
+              <a:rPr lang="en-US" altLang="zh-CN" dirty="0"/>
+              <a:t>    </a:t>
+            </a:r>
+            <a:r>
+              <a:rPr lang="zh-CN" altLang="en-US" dirty="0"/>
+              <a:t>用</a:t>
+            </a:r>
+            <a:r>
+              <a:rPr lang="en-US" altLang="zh-CN" dirty="0" err="1"/>
+              <a:t>className</a:t>
+            </a:r>
+            <a:r>
+              <a:rPr lang="zh-CN" altLang="en-US" dirty="0"/>
+              <a:t>是因为，</a:t>
+            </a:r>
+            <a:r>
+              <a:rPr lang="en-US" altLang="zh-CN" dirty="0"/>
+              <a:t>class</a:t>
+            </a:r>
+            <a:r>
+              <a:rPr lang="zh-CN" altLang="en-US" dirty="0"/>
+              <a:t>是</a:t>
+            </a:r>
+            <a:r>
+              <a:rPr lang="en-US" altLang="zh-CN" dirty="0"/>
+              <a:t>react</a:t>
+            </a:r>
+            <a:r>
+              <a:rPr lang="zh-CN" altLang="en-US" dirty="0"/>
+              <a:t>类组件的关键字，在这里不加赘述</a:t>
+            </a:r>
           </a:p>
         </p:txBody>
       </p:sp>
@@ -2988,7 +3121,7 @@
           <a:p>
             <a:fld id="{F9E1B693-632D-4080-9CF6-EA28B66DC801}" type="slidenum">
               <a:rPr lang="zh-CN" altLang="en-US" smtClean="0"/>
-              <a:t>10</a:t>
+              <a:t>9</a:t>
             </a:fld>
             <a:endParaRPr lang="zh-CN" altLang="en-US"/>
           </a:p>
@@ -2997,7 +3130,7 @@
     </p:spTree>
     <p:extLst>
       <p:ext uri="{BB962C8B-B14F-4D97-AF65-F5344CB8AC3E}">
-        <p14:creationId xmlns:p14="http://schemas.microsoft.com/office/powerpoint/2010/main" val="2522619145"/>
+        <p14:creationId xmlns:p14="http://schemas.microsoft.com/office/powerpoint/2010/main" val="746675372"/>
       </p:ext>
     </p:extLst>
   </p:cSld>
@@ -3052,22 +3185,14 @@
           <a:lstStyle/>
           <a:p>
             <a:r>
-              <a:rPr lang="en-US" altLang="zh-CN" dirty="0"/>
-              <a:t>[1] key</a:t>
-            </a:r>
-            <a:r>
-              <a:rPr lang="zh-CN" altLang="en-US" dirty="0"/>
-              <a:t>是不会渲染成标签的，只是</a:t>
-            </a:r>
-            <a:r>
-              <a:rPr lang="en-US" altLang="zh-CN" dirty="0"/>
-              <a:t>react</a:t>
-            </a:r>
-            <a:r>
-              <a:rPr lang="zh-CN" altLang="en-US" dirty="0"/>
-              <a:t>内部用于性能优化的</a:t>
-            </a:r>
-            <a:endParaRPr lang="en-US" altLang="zh-CN" dirty="0"/>
+              <a:rPr lang="zh-CN" altLang="en-US" dirty="0"/>
+              <a:t>添加 </a:t>
+            </a:r>
+            <a:r>
+              <a:rPr lang="en-US" altLang="zh-CN" dirty="0"/>
+              <a:t>&amp;&amp;</a:t>
+            </a:r>
+            <a:endParaRPr lang="zh-CN" altLang="en-US" dirty="0"/>
           </a:p>
         </p:txBody>
       </p:sp>
@@ -3088,7 +3213,7 @@
           <a:p>
             <a:fld id="{F9E1B693-632D-4080-9CF6-EA28B66DC801}" type="slidenum">
               <a:rPr lang="zh-CN" altLang="en-US" smtClean="0"/>
-              <a:t>11</a:t>
+              <a:t>10</a:t>
             </a:fld>
             <a:endParaRPr lang="zh-CN" altLang="en-US"/>
           </a:p>
@@ -3097,7 +3222,7 @@
     </p:spTree>
     <p:extLst>
       <p:ext uri="{BB962C8B-B14F-4D97-AF65-F5344CB8AC3E}">
-        <p14:creationId xmlns:p14="http://schemas.microsoft.com/office/powerpoint/2010/main" val="2636798532"/>
+        <p14:creationId xmlns:p14="http://schemas.microsoft.com/office/powerpoint/2010/main" val="2522619145"/>
       </p:ext>
     </p:extLst>
   </p:cSld>
@@ -3153,12 +3278,21 @@
           <a:p>
             <a:r>
               <a:rPr lang="en-US" altLang="zh-CN" dirty="0"/>
-              <a:t>[1]</a:t>
-            </a:r>
-            <a:r>
-              <a:rPr lang="zh-CN" altLang="en-US" dirty="0"/>
-              <a:t>然后现在来看看函数式组件中怎么绑定事件的，看看代码：</a:t>
-            </a:r>
+              <a:t>[1] key</a:t>
+            </a:r>
+            <a:r>
+              <a:rPr lang="zh-CN" altLang="en-US" dirty="0"/>
+              <a:t>是不会渲染成标签的，只是</a:t>
+            </a:r>
+            <a:r>
+              <a:rPr lang="en-US" altLang="zh-CN" dirty="0"/>
+              <a:t>react</a:t>
+            </a:r>
+            <a:r>
+              <a:rPr lang="zh-CN" altLang="en-US" dirty="0"/>
+              <a:t>内部用于性能优化的</a:t>
+            </a:r>
+            <a:endParaRPr lang="en-US" altLang="zh-CN" dirty="0"/>
           </a:p>
         </p:txBody>
       </p:sp>
@@ -3179,7 +3313,7 @@
           <a:p>
             <a:fld id="{F9E1B693-632D-4080-9CF6-EA28B66DC801}" type="slidenum">
               <a:rPr lang="zh-CN" altLang="en-US" smtClean="0"/>
-              <a:t>12</a:t>
+              <a:t>11</a:t>
             </a:fld>
             <a:endParaRPr lang="zh-CN" altLang="en-US"/>
           </a:p>
@@ -3188,7 +3322,7 @@
     </p:spTree>
     <p:extLst>
       <p:ext uri="{BB962C8B-B14F-4D97-AF65-F5344CB8AC3E}">
-        <p14:creationId xmlns:p14="http://schemas.microsoft.com/office/powerpoint/2010/main" val="47811639"/>
+        <p14:creationId xmlns:p14="http://schemas.microsoft.com/office/powerpoint/2010/main" val="2636798532"/>
       </p:ext>
     </p:extLst>
   </p:cSld>
@@ -3248,151 +3382,8 @@
             </a:r>
             <a:r>
               <a:rPr lang="zh-CN" altLang="en-US" dirty="0"/>
-              <a:t>什么是</a:t>
-            </a:r>
-            <a:r>
-              <a:rPr lang="en-US" altLang="zh-CN" dirty="0"/>
-              <a:t>hooks</a:t>
-            </a:r>
-            <a:r>
-              <a:rPr lang="zh-CN" altLang="en-US" dirty="0"/>
-              <a:t>：在这之前我们写的函数组件都是无状态的纯函数组件，那如果想让一个组件它有自己的状态和副作用呢，那就需要使用到</a:t>
-            </a:r>
-            <a:r>
-              <a:rPr lang="en-US" altLang="zh-CN" dirty="0"/>
-              <a:t>hooks</a:t>
-            </a:r>
-            <a:r>
-              <a:rPr lang="zh-CN" altLang="en-US" dirty="0"/>
-              <a:t>了，</a:t>
-            </a:r>
-            <a:r>
-              <a:rPr lang="en-US" altLang="zh-CN" dirty="0"/>
-              <a:t>hooks</a:t>
-            </a:r>
-            <a:r>
-              <a:rPr lang="zh-CN" altLang="en-US" dirty="0"/>
-              <a:t>是</a:t>
-            </a:r>
-            <a:r>
-              <a:rPr lang="en-US" altLang="zh-CN" dirty="0"/>
-              <a:t>react16.8</a:t>
-            </a:r>
-            <a:r>
-              <a:rPr lang="zh-CN" altLang="en-US" dirty="0"/>
-              <a:t>版本之后出来的</a:t>
-            </a:r>
-            <a:r>
-              <a:rPr lang="en-US" altLang="zh-CN" dirty="0"/>
-              <a:t>API</a:t>
-            </a:r>
-            <a:r>
-              <a:rPr lang="zh-CN" altLang="en-US" dirty="0"/>
-              <a:t>钩子函数，它的标志是必须以</a:t>
-            </a:r>
-            <a:r>
-              <a:rPr lang="en-US" altLang="zh-CN" dirty="0"/>
-              <a:t>use</a:t>
-            </a:r>
-            <a:r>
-              <a:rPr lang="zh-CN" altLang="en-US" dirty="0"/>
-              <a:t>开头的。然后我们来看看</a:t>
-            </a:r>
-            <a:r>
-              <a:rPr lang="en-US" altLang="zh-CN" dirty="0"/>
-              <a:t>react</a:t>
-            </a:r>
-            <a:r>
-              <a:rPr lang="zh-CN" altLang="en-US" dirty="0"/>
-              <a:t>提供的最基本的几个</a:t>
-            </a:r>
-            <a:r>
-              <a:rPr lang="en-US" altLang="zh-CN" dirty="0"/>
-              <a:t>hooks</a:t>
-            </a:r>
-          </a:p>
-          <a:p>
-            <a:pPr marL="0" marR="0" lvl="0" indent="0" algn="l" defTabSz="914400" rtl="0" eaLnBrk="1" fontAlgn="auto" latinLnBrk="0" hangingPunct="1">
-              <a:lnSpc>
-                <a:spcPct val="100000"/>
-              </a:lnSpc>
-              <a:spcBef>
-                <a:spcPts val="0"/>
-              </a:spcBef>
-              <a:spcAft>
-                <a:spcPts val="0"/>
-              </a:spcAft>
-              <a:buClrTx/>
-              <a:buSzTx/>
-              <a:buFontTx/>
-              <a:buNone/>
-              <a:tabLst/>
-              <a:defRPr/>
-            </a:pPr>
-            <a:r>
-              <a:rPr lang="en-US" altLang="zh-CN" dirty="0"/>
-              <a:t>[2]</a:t>
-            </a:r>
-            <a:r>
-              <a:rPr lang="zh-CN" altLang="en-US" b="0" dirty="0">
-                <a:solidFill>
-                  <a:srgbClr val="CCCCCC"/>
-                </a:solidFill>
-                <a:effectLst/>
-                <a:latin typeface="Consolas" panose="020B0609020204030204" pitchFamily="49" charset="0"/>
-              </a:rPr>
-              <a:t>今天先给大家讲讲 </a:t>
-            </a:r>
-            <a:r>
-              <a:rPr lang="en-US" altLang="zh-CN" b="0" dirty="0" err="1">
-                <a:solidFill>
-                  <a:srgbClr val="CCCCCC"/>
-                </a:solidFill>
-                <a:effectLst/>
-                <a:latin typeface="Consolas" panose="020B0609020204030204" pitchFamily="49" charset="0"/>
-              </a:rPr>
-              <a:t>useState</a:t>
-            </a:r>
-            <a:r>
-              <a:rPr lang="en-US" altLang="zh-CN" b="0" dirty="0">
-                <a:solidFill>
-                  <a:srgbClr val="CCCCCC"/>
-                </a:solidFill>
-                <a:effectLst/>
-                <a:latin typeface="Consolas" panose="020B0609020204030204" pitchFamily="49" charset="0"/>
-              </a:rPr>
-              <a:t> </a:t>
-            </a:r>
-            <a:r>
-              <a:rPr lang="zh-CN" altLang="en-US" b="0" dirty="0">
-                <a:solidFill>
-                  <a:srgbClr val="CCCCCC"/>
-                </a:solidFill>
-                <a:effectLst/>
-                <a:latin typeface="Consolas" panose="020B0609020204030204" pitchFamily="49" charset="0"/>
-              </a:rPr>
-              <a:t>和 </a:t>
-            </a:r>
-            <a:r>
-              <a:rPr lang="en-US" altLang="zh-CN" b="0" dirty="0" err="1">
-                <a:solidFill>
-                  <a:srgbClr val="CCCCCC"/>
-                </a:solidFill>
-                <a:effectLst/>
-                <a:latin typeface="Consolas" panose="020B0609020204030204" pitchFamily="49" charset="0"/>
-              </a:rPr>
-              <a:t>useEffect</a:t>
-            </a:r>
-            <a:endParaRPr lang="en-US" altLang="zh-CN" b="0" dirty="0">
-              <a:solidFill>
-                <a:srgbClr val="CCCCCC"/>
-              </a:solidFill>
-              <a:effectLst/>
-              <a:latin typeface="Consolas" panose="020B0609020204030204" pitchFamily="49" charset="0"/>
-            </a:endParaRPr>
-          </a:p>
-          <a:p>
-            <a:endParaRPr lang="zh-CN" altLang="en-US" dirty="0"/>
+              <a:t>然后现在来看看函数式组件中怎么绑定事件的，看看代码：</a:t>
+            </a:r>
           </a:p>
         </p:txBody>
       </p:sp>
@@ -3413,7 +3404,7 @@
           <a:p>
             <a:fld id="{F9E1B693-632D-4080-9CF6-EA28B66DC801}" type="slidenum">
               <a:rPr lang="zh-CN" altLang="en-US" smtClean="0"/>
-              <a:t>13</a:t>
+              <a:t>12</a:t>
             </a:fld>
             <a:endParaRPr lang="zh-CN" altLang="en-US"/>
           </a:p>
@@ -3422,7 +3413,7 @@
     </p:spTree>
     <p:extLst>
       <p:ext uri="{BB962C8B-B14F-4D97-AF65-F5344CB8AC3E}">
-        <p14:creationId xmlns:p14="http://schemas.microsoft.com/office/powerpoint/2010/main" val="1853445337"/>
+        <p14:creationId xmlns:p14="http://schemas.microsoft.com/office/powerpoint/2010/main" val="47811639"/>
       </p:ext>
     </p:extLst>
   </p:cSld>
@@ -3482,28 +3473,151 @@
             </a:r>
             <a:r>
               <a:rPr lang="zh-CN" altLang="en-US" dirty="0"/>
-              <a:t>参数是由数组解构出来的，有缓存状态的功能；每次 </a:t>
-            </a:r>
-            <a:r>
-              <a:rPr lang="en-US" altLang="zh-CN" dirty="0" err="1"/>
+              <a:t>什么是</a:t>
+            </a:r>
+            <a:r>
+              <a:rPr lang="en-US" altLang="zh-CN" dirty="0"/>
+              <a:t>hooks</a:t>
+            </a:r>
+            <a:r>
+              <a:rPr lang="zh-CN" altLang="en-US" dirty="0"/>
+              <a:t>：在这之前我们写的函数组件都是无状态的纯函数组件，那如果想让一个组件它有自己的状态和副作用呢，那就需要使用到</a:t>
+            </a:r>
+            <a:r>
+              <a:rPr lang="en-US" altLang="zh-CN" dirty="0"/>
+              <a:t>hooks</a:t>
+            </a:r>
+            <a:r>
+              <a:rPr lang="zh-CN" altLang="en-US" dirty="0"/>
+              <a:t>了，</a:t>
+            </a:r>
+            <a:r>
+              <a:rPr lang="en-US" altLang="zh-CN" dirty="0"/>
+              <a:t>hooks</a:t>
+            </a:r>
+            <a:r>
+              <a:rPr lang="zh-CN" altLang="en-US" dirty="0"/>
+              <a:t>是</a:t>
+            </a:r>
+            <a:r>
+              <a:rPr lang="en-US" altLang="zh-CN" dirty="0"/>
+              <a:t>react16.8</a:t>
+            </a:r>
+            <a:r>
+              <a:rPr lang="zh-CN" altLang="en-US" dirty="0"/>
+              <a:t>版本之后出来的</a:t>
+            </a:r>
+            <a:r>
+              <a:rPr lang="en-US" altLang="zh-CN" dirty="0"/>
+              <a:t>API</a:t>
+            </a:r>
+            <a:r>
+              <a:rPr lang="zh-CN" altLang="en-US" dirty="0"/>
+              <a:t>钩子函数，它的标志是必须以</a:t>
+            </a:r>
+            <a:r>
+              <a:rPr lang="en-US" altLang="zh-CN" dirty="0"/>
+              <a:t>use</a:t>
+            </a:r>
+            <a:r>
+              <a:rPr lang="zh-CN" altLang="en-US" dirty="0"/>
+              <a:t>开头的。然后我们来看看</a:t>
+            </a:r>
+            <a:r>
+              <a:rPr lang="en-US" altLang="zh-CN" dirty="0"/>
+              <a:t>react</a:t>
+            </a:r>
+            <a:r>
+              <a:rPr lang="zh-CN" altLang="en-US" dirty="0"/>
+              <a:t>提供的最基本的几个</a:t>
+            </a:r>
+            <a:r>
+              <a:rPr lang="en-US" altLang="zh-CN" dirty="0"/>
+              <a:t>hooks</a:t>
+            </a:r>
+          </a:p>
+          <a:p>
+            <a:pPr marL="0" marR="0" lvl="0" indent="0" algn="l" defTabSz="914400" rtl="0" eaLnBrk="1" fontAlgn="auto" latinLnBrk="0" hangingPunct="1">
+              <a:lnSpc>
+                <a:spcPct val="100000"/>
+              </a:lnSpc>
+              <a:spcBef>
+                <a:spcPts val="0"/>
+              </a:spcBef>
+              <a:spcAft>
+                <a:spcPts val="0"/>
+              </a:spcAft>
+              <a:buClrTx/>
+              <a:buSzTx/>
+              <a:buFontTx/>
+              <a:buNone/>
+              <a:tabLst/>
+              <a:defRPr/>
+            </a:pPr>
+            <a:r>
+              <a:rPr lang="en-US" altLang="zh-CN" dirty="0"/>
+              <a:t>[2]</a:t>
+            </a:r>
+            <a:r>
+              <a:rPr lang="zh-CN" altLang="en-US" b="0" dirty="0">
+                <a:solidFill>
+                  <a:srgbClr val="CCCCCC"/>
+                </a:solidFill>
+                <a:effectLst/>
+                <a:latin typeface="Consolas" panose="020B0609020204030204" pitchFamily="49" charset="0"/>
+              </a:rPr>
+              <a:t>今天先给大家讲讲 </a:t>
+            </a:r>
+            <a:r>
+              <a:rPr lang="en-US" altLang="zh-CN" b="0" dirty="0" err="1">
+                <a:solidFill>
+                  <a:srgbClr val="CCCCCC"/>
+                </a:solidFill>
+                <a:effectLst/>
+                <a:latin typeface="Consolas" panose="020B0609020204030204" pitchFamily="49" charset="0"/>
+              </a:rPr>
               <a:t>useState</a:t>
             </a:r>
             <a:r>
-              <a:rPr lang="en-US" altLang="zh-CN" dirty="0"/>
+              <a:rPr lang="en-US" altLang="zh-CN" b="0" dirty="0">
+                <a:solidFill>
+                  <a:srgbClr val="CCCCCC"/>
+                </a:solidFill>
+                <a:effectLst/>
+                <a:latin typeface="Consolas" panose="020B0609020204030204" pitchFamily="49" charset="0"/>
+              </a:rPr>
               <a:t> </a:t>
             </a:r>
             <a:r>
-              <a:rPr lang="zh-CN" altLang="en-US" dirty="0"/>
-              <a:t>改变了，整个函数都会重新渲染，但是 </a:t>
-            </a:r>
-            <a:r>
-              <a:rPr lang="en-US" altLang="zh-CN" dirty="0"/>
-              <a:t>state </a:t>
-            </a:r>
-            <a:r>
-              <a:rPr lang="zh-CN" altLang="en-US" dirty="0"/>
-              <a:t>的值是在上一次的基础上进行的更新</a:t>
-            </a:r>
+              <a:rPr lang="zh-CN" altLang="en-US" b="0" dirty="0">
+                <a:solidFill>
+                  <a:srgbClr val="CCCCCC"/>
+                </a:solidFill>
+                <a:effectLst/>
+                <a:latin typeface="Consolas" panose="020B0609020204030204" pitchFamily="49" charset="0"/>
+              </a:rPr>
+              <a:t>和 </a:t>
+            </a:r>
+            <a:r>
+              <a:rPr lang="en-US" altLang="zh-CN" b="0" dirty="0" err="1">
+                <a:solidFill>
+                  <a:srgbClr val="CCCCCC"/>
+                </a:solidFill>
+                <a:effectLst/>
+                <a:latin typeface="Consolas" panose="020B0609020204030204" pitchFamily="49" charset="0"/>
+              </a:rPr>
+              <a:t>useEffect</a:t>
+            </a:r>
+            <a:endParaRPr lang="en-US" altLang="zh-CN" b="0" dirty="0">
+              <a:solidFill>
+                <a:srgbClr val="CCCCCC"/>
+              </a:solidFill>
+              <a:effectLst/>
+              <a:latin typeface="Consolas" panose="020B0609020204030204" pitchFamily="49" charset="0"/>
+            </a:endParaRPr>
+          </a:p>
+          <a:p>
+            <a:endParaRPr lang="zh-CN" altLang="en-US" dirty="0"/>
           </a:p>
         </p:txBody>
       </p:sp>
@@ -3524,7 +3638,7 @@
           <a:p>
             <a:fld id="{F9E1B693-632D-4080-9CF6-EA28B66DC801}" type="slidenum">
               <a:rPr lang="zh-CN" altLang="en-US" smtClean="0"/>
-              <a:t>14</a:t>
+              <a:t>13</a:t>
             </a:fld>
             <a:endParaRPr lang="zh-CN" altLang="en-US"/>
           </a:p>
@@ -3533,7 +3647,7 @@
     </p:spTree>
     <p:extLst>
       <p:ext uri="{BB962C8B-B14F-4D97-AF65-F5344CB8AC3E}">
-        <p14:creationId xmlns:p14="http://schemas.microsoft.com/office/powerpoint/2010/main" val="362164744"/>
+        <p14:creationId xmlns:p14="http://schemas.microsoft.com/office/powerpoint/2010/main" val="1853445337"/>
       </p:ext>
     </p:extLst>
   </p:cSld>
@@ -3587,7 +3701,34 @@
           <a:bodyPr/>
           <a:lstStyle/>
           <a:p>
-            <a:endParaRPr lang="zh-CN" altLang="en-US" dirty="0"/>
+            <a:r>
+              <a:rPr lang="en-US" altLang="zh-CN" dirty="0"/>
+              <a:t>[1]</a:t>
+            </a:r>
+            <a:r>
+              <a:rPr lang="zh-CN" altLang="en-US" dirty="0"/>
+              <a:t>参数是由数组解构出来的，有缓存状态的功能；每次 </a:t>
+            </a:r>
+            <a:r>
+              <a:rPr lang="en-US" altLang="zh-CN" dirty="0" err="1"/>
+              <a:t>useState</a:t>
+            </a:r>
+            <a:r>
+              <a:rPr lang="en-US" altLang="zh-CN" dirty="0"/>
+              <a:t> </a:t>
+            </a:r>
+            <a:r>
+              <a:rPr lang="zh-CN" altLang="en-US" dirty="0"/>
+              <a:t>改变了，整个函数都会重新渲染，但是 </a:t>
+            </a:r>
+            <a:r>
+              <a:rPr lang="en-US" altLang="zh-CN" dirty="0"/>
+              <a:t>state </a:t>
+            </a:r>
+            <a:r>
+              <a:rPr lang="zh-CN" altLang="en-US" dirty="0"/>
+              <a:t>的值是在上一次的基础上进行的更新</a:t>
+            </a:r>
           </a:p>
         </p:txBody>
       </p:sp>
@@ -3608,7 +3749,7 @@
           <a:p>
             <a:fld id="{F9E1B693-632D-4080-9CF6-EA28B66DC801}" type="slidenum">
               <a:rPr lang="zh-CN" altLang="en-US" smtClean="0"/>
-              <a:t>15</a:t>
+              <a:t>14</a:t>
             </a:fld>
             <a:endParaRPr lang="zh-CN" altLang="en-US"/>
           </a:p>
@@ -3617,7 +3758,7 @@
     </p:spTree>
     <p:extLst>
       <p:ext uri="{BB962C8B-B14F-4D97-AF65-F5344CB8AC3E}">
-        <p14:creationId xmlns:p14="http://schemas.microsoft.com/office/powerpoint/2010/main" val="910686043"/>
+        <p14:creationId xmlns:p14="http://schemas.microsoft.com/office/powerpoint/2010/main" val="362164744"/>
       </p:ext>
     </p:extLst>
   </p:cSld>
@@ -3696,7 +3837,7 @@
           <a:p>
             <a:fld id="{760FBDFE-C587-4B4C-A407-44438C67B59E}" type="datetimeFigureOut">
               <a:rPr lang="zh-CN" altLang="en-US" smtClean="0"/>
-              <a:t>2024/1/3</a:t>
+              <a:t>2024/1/4</a:t>
             </a:fld>
             <a:endParaRPr lang="zh-CN" altLang="en-US" dirty="0"/>
           </a:p>
@@ -3854,7 +3995,7 @@
           <a:p>
             <a:fld id="{D997B5FA-0921-464F-AAE1-844C04324D75}" type="datetimeFigureOut">
               <a:rPr lang="zh-CN" altLang="en-US" smtClean="0"/>
-              <a:t>2024/1/3</a:t>
+              <a:t>2024/1/4</a:t>
             </a:fld>
             <a:endParaRPr lang="zh-CN" altLang="en-US" dirty="0"/>
           </a:p>
@@ -3944,7 +4085,7 @@
           <a:p>
             <a:fld id="{D997B5FA-0921-464F-AAE1-844C04324D75}" type="datetimeFigureOut">
               <a:rPr lang="zh-CN" altLang="en-US" smtClean="0"/>
-              <a:t>2024/1/3</a:t>
+              <a:t>2024/1/4</a:t>
             </a:fld>
             <a:endParaRPr lang="zh-CN" altLang="en-US" dirty="0"/>
           </a:p>
@@ -4222,7 +4363,7 @@
           <a:p>
             <a:fld id="{D997B5FA-0921-464F-AAE1-844C04324D75}" type="datetimeFigureOut">
               <a:rPr lang="zh-CN" altLang="en-US" smtClean="0"/>
-              <a:t>2024/1/3</a:t>
+              <a:t>2024/1/4</a:t>
             </a:fld>
             <a:endParaRPr lang="zh-CN" altLang="en-US" dirty="0"/>
           </a:p>
@@ -4380,7 +4521,7 @@
           <a:p>
             <a:fld id="{D997B5FA-0921-464F-AAE1-844C04324D75}" type="datetimeFigureOut">
               <a:rPr lang="zh-CN" altLang="en-US" smtClean="0"/>
-              <a:t>2024/1/3</a:t>
+              <a:t>2024/1/4</a:t>
             </a:fld>
             <a:endParaRPr lang="zh-CN" altLang="en-US" dirty="0"/>
           </a:p>
@@ -4585,7 +4726,7 @@
           <a:p>
             <a:fld id="{D997B5FA-0921-464F-AAE1-844C04324D75}" type="datetimeFigureOut">
               <a:rPr lang="zh-CN" altLang="en-US" smtClean="0"/>
-              <a:t>2024/1/3</a:t>
+              <a:t>2024/1/4</a:t>
             </a:fld>
             <a:endParaRPr lang="zh-CN" altLang="en-US" dirty="0"/>
           </a:p>
@@ -5204,7 +5345,7 @@
         <p:spPr>
           <a:xfrm>
             <a:off x="515073" y="685165"/>
-            <a:ext cx="7552481" cy="1754326"/>
+            <a:ext cx="3412983" cy="4247317"/>
           </a:xfrm>
           <a:prstGeom prst="rect">
             <a:avLst/>
@@ -5244,6 +5385,45 @@
             <a:endParaRPr lang="en-US" altLang="zh-CN" dirty="0"/>
           </a:p>
           <a:p>
+            <a:r>
+              <a:rPr lang="zh-CN" altLang="en-US" dirty="0"/>
+              <a:t>三元运算符：</a:t>
+            </a:r>
+            <a:endParaRPr lang="en-US" altLang="zh-CN" dirty="0"/>
+          </a:p>
+          <a:p>
+            <a:endParaRPr lang="en-US" altLang="zh-CN" dirty="0"/>
+          </a:p>
+          <a:p>
+            <a:endParaRPr lang="en-US" altLang="zh-CN" dirty="0"/>
+          </a:p>
+          <a:p>
+            <a:endParaRPr lang="en-US" altLang="zh-CN" dirty="0"/>
+          </a:p>
+          <a:p>
+            <a:endParaRPr lang="en-US" altLang="zh-CN" dirty="0"/>
+          </a:p>
+          <a:p>
+            <a:endParaRPr lang="en-US" altLang="zh-CN" dirty="0"/>
+          </a:p>
+          <a:p>
+            <a:endParaRPr lang="en-US" altLang="zh-CN" dirty="0"/>
+          </a:p>
+          <a:p>
+            <a:endParaRPr lang="en-US" altLang="zh-CN" dirty="0"/>
+          </a:p>
+          <a:p>
+            <a:endParaRPr lang="en-US" altLang="zh-CN" dirty="0"/>
+          </a:p>
+          <a:p>
+            <a:r>
+              <a:rPr lang="en-US" altLang="zh-CN" dirty="0"/>
+              <a:t>“&amp;&amp;”</a:t>
+            </a:r>
+            <a:r>
+              <a:rPr lang="zh-CN" altLang="en-US" dirty="0"/>
+              <a:t>符号：</a:t>
+            </a:r>
             <a:endParaRPr lang="en-US" altLang="zh-CN" dirty="0"/>
           </a:p>
           <a:p>
@@ -5273,7 +5453,7 @@
         </p:blipFill>
         <p:spPr>
           <a:xfrm>
-            <a:off x="546765" y="1879520"/>
+            <a:off x="4120653" y="1879520"/>
             <a:ext cx="4959605" cy="1549480"/>
           </a:xfrm>
           <a:prstGeom prst="rect">
@@ -5350,8 +5530,8 @@
         </p:nvSpPr>
         <p:spPr>
           <a:xfrm>
-            <a:off x="451961" y="685165"/>
-            <a:ext cx="7552481" cy="2862322"/>
+            <a:off x="451962" y="685165"/>
+            <a:ext cx="4351858" cy="3416320"/>
           </a:xfrm>
           <a:prstGeom prst="rect">
             <a:avLst/>
@@ -5466,7 +5646,7 @@
         </p:blipFill>
         <p:spPr>
           <a:xfrm>
-            <a:off x="3908121" y="2010144"/>
+            <a:off x="5107295" y="1218094"/>
             <a:ext cx="3584743" cy="4678788"/>
           </a:xfrm>
           <a:prstGeom prst="rect">
@@ -5544,7 +5724,7 @@
         <p:spPr>
           <a:xfrm>
             <a:off x="451961" y="685165"/>
-            <a:ext cx="8460307" cy="2308324"/>
+            <a:ext cx="3952614" cy="3416320"/>
           </a:xfrm>
           <a:prstGeom prst="rect">
             <a:avLst/>
@@ -5633,7 +5813,7 @@
         </p:blipFill>
         <p:spPr>
           <a:xfrm>
-            <a:off x="4171167" y="1925681"/>
+            <a:off x="4667003" y="863174"/>
             <a:ext cx="4097549" cy="4879559"/>
           </a:xfrm>
           <a:prstGeom prst="rect">
@@ -5725,200 +5905,204 @@
           <a:lstStyle/>
           <a:p>
             <a:r>
-              <a:rPr lang="en-US" altLang="zh-CN"/>
+              <a:rPr lang="en-US" altLang="zh-CN" dirty="0"/>
               <a:t>7</a:t>
             </a:r>
             <a:r>
-              <a:rPr lang="zh-CN" altLang="en-US"/>
+              <a:rPr lang="zh-CN" altLang="en-US" dirty="0"/>
               <a:t>、</a:t>
             </a:r>
             <a:r>
-              <a:rPr lang="en-US" altLang="zh-CN"/>
+              <a:rPr lang="en-US" altLang="zh-CN" dirty="0"/>
               <a:t> [1]</a:t>
             </a:r>
             <a:r>
-              <a:rPr lang="zh-CN" altLang="en-US"/>
+              <a:rPr lang="zh-CN" altLang="en-US" dirty="0"/>
               <a:t>使用</a:t>
             </a:r>
             <a:r>
-              <a:rPr lang="en-US" altLang="zh-CN"/>
+              <a:rPr lang="en-US" altLang="zh-CN" dirty="0"/>
               <a:t>hooks</a:t>
             </a:r>
           </a:p>
           <a:p>
-            <a:endParaRPr lang="en-US" altLang="zh-CN"/>
-          </a:p>
-          <a:p>
-            <a:r>
-              <a:rPr lang="zh-CN" altLang="en-US"/>
-              <a:t>什么是</a:t>
-            </a:r>
-            <a:r>
-              <a:rPr lang="en-US" altLang="zh-CN"/>
+            <a:endParaRPr lang="en-US" altLang="zh-CN" dirty="0"/>
+          </a:p>
+          <a:p>
+            <a:r>
+              <a:rPr lang="zh-CN" altLang="en-US" dirty="0"/>
+              <a:t>总：什么是</a:t>
+            </a:r>
+            <a:r>
+              <a:rPr lang="en-US" altLang="zh-CN" dirty="0"/>
               <a:t>hooks</a:t>
             </a:r>
             <a:r>
-              <a:rPr lang="zh-CN" altLang="en-US"/>
+              <a:rPr lang="zh-CN" altLang="en-US" dirty="0"/>
               <a:t>，</a:t>
             </a:r>
             <a:r>
-              <a:rPr lang="en-US" altLang="zh-CN"/>
+              <a:rPr lang="en-US" altLang="zh-CN" dirty="0"/>
               <a:t>hooks</a:t>
             </a:r>
             <a:r>
-              <a:rPr lang="zh-CN" altLang="en-US"/>
+              <a:rPr lang="zh-CN" altLang="en-US" dirty="0"/>
               <a:t>解决了什么问题，常见的</a:t>
             </a:r>
             <a:r>
-              <a:rPr lang="en-US" altLang="zh-CN"/>
+              <a:rPr lang="en-US" altLang="zh-CN" dirty="0"/>
               <a:t>hooks</a:t>
             </a:r>
             <a:r>
-              <a:rPr lang="zh-CN" altLang="en-US"/>
+              <a:rPr lang="zh-CN" altLang="en-US" dirty="0"/>
               <a:t>有几个</a:t>
             </a:r>
-            <a:endParaRPr lang="en-US" altLang="zh-CN"/>
-          </a:p>
-          <a:p>
-            <a:endParaRPr lang="en-US" altLang="zh-CN"/>
-          </a:p>
-          <a:p>
-            <a:r>
-              <a:rPr lang="en-US" altLang="zh-CN"/>
+            <a:endParaRPr lang="en-US" altLang="zh-CN" dirty="0"/>
+          </a:p>
+          <a:p>
+            <a:endParaRPr lang="en-US" altLang="zh-CN" dirty="0"/>
+          </a:p>
+          <a:p>
+            <a:r>
+              <a:rPr lang="en-US" altLang="zh-CN" dirty="0"/>
               <a:t>Hooks</a:t>
             </a:r>
             <a:r>
-              <a:rPr lang="zh-CN" altLang="en-US"/>
+              <a:rPr lang="zh-CN" altLang="en-US" dirty="0"/>
               <a:t>：也叫钩子函数，</a:t>
             </a:r>
             <a:r>
-              <a:rPr lang="en-US" altLang="zh-CN"/>
+              <a:rPr lang="en-US" altLang="zh-CN" dirty="0"/>
               <a:t>hooks </a:t>
             </a:r>
             <a:r>
-              <a:rPr lang="zh-CN" altLang="en-US"/>
+              <a:rPr lang="zh-CN" altLang="en-US" dirty="0"/>
               <a:t>就是在函数组件内，负责钩进外部功能的函数</a:t>
             </a:r>
           </a:p>
           <a:p>
-            <a:endParaRPr lang="en-US" altLang="zh-CN"/>
-          </a:p>
-          <a:p>
-            <a:r>
-              <a:rPr lang="zh-CN" altLang="en-US"/>
+            <a:endParaRPr lang="en-US" altLang="zh-CN" dirty="0"/>
+          </a:p>
+          <a:p>
+            <a:r>
+              <a:rPr lang="zh-CN" altLang="en-US" dirty="0"/>
               <a:t>解决的问题：</a:t>
             </a:r>
-            <a:endParaRPr lang="en-US" altLang="zh-CN"/>
-          </a:p>
-          <a:p>
-            <a:r>
-              <a:rPr lang="en-US" altLang="zh-CN"/>
+            <a:endParaRPr lang="en-US" altLang="zh-CN" dirty="0"/>
+          </a:p>
+          <a:p>
+            <a:r>
+              <a:rPr lang="en-US" altLang="zh-CN" dirty="0"/>
               <a:t>hooks </a:t>
             </a:r>
             <a:r>
-              <a:rPr lang="zh-CN" altLang="en-US"/>
+              <a:rPr lang="zh-CN" altLang="en-US" dirty="0"/>
               <a:t>可以让你的无状态组件变成有状态组件</a:t>
             </a:r>
             <a:r>
-              <a:rPr lang="en-US" altLang="zh-CN"/>
+              <a:rPr lang="en-US" altLang="zh-CN" dirty="0"/>
               <a:t>[</a:t>
             </a:r>
             <a:r>
-              <a:rPr lang="zh-CN" altLang="en-US"/>
+              <a:rPr lang="zh-CN" altLang="en-US" dirty="0"/>
               <a:t>通过</a:t>
             </a:r>
             <a:r>
-              <a:rPr lang="en-US" altLang="zh-CN"/>
+              <a:rPr lang="en-US" altLang="zh-CN" dirty="0"/>
               <a:t>state]</a:t>
             </a:r>
             <a:r>
-              <a:rPr lang="zh-CN" altLang="en-US"/>
+              <a:rPr lang="zh-CN" altLang="en-US" dirty="0"/>
               <a:t>、</a:t>
             </a:r>
-            <a:endParaRPr lang="en-US" altLang="zh-CN"/>
-          </a:p>
-          <a:p>
-            <a:r>
-              <a:rPr lang="en-US" altLang="zh-CN"/>
+            <a:endParaRPr lang="en-US" altLang="zh-CN" dirty="0"/>
+          </a:p>
+          <a:p>
+            <a:r>
+              <a:rPr lang="en-US" altLang="zh-CN" dirty="0"/>
               <a:t>hooks </a:t>
             </a:r>
             <a:r>
-              <a:rPr lang="zh-CN" altLang="en-US"/>
+              <a:rPr lang="zh-CN" altLang="en-US" dirty="0"/>
               <a:t>可以复用逻辑</a:t>
             </a:r>
             <a:r>
-              <a:rPr lang="en-US" altLang="zh-CN"/>
+              <a:rPr lang="en-US" altLang="zh-CN" dirty="0"/>
               <a:t>[</a:t>
             </a:r>
             <a:r>
-              <a:rPr lang="zh-CN" altLang="en-US"/>
+              <a:rPr lang="zh-CN" altLang="en-US" dirty="0"/>
               <a:t>写一个简单请求，复用</a:t>
             </a:r>
             <a:r>
-              <a:rPr lang="en-US" altLang="zh-CN"/>
+              <a:rPr lang="en-US" altLang="zh-CN" dirty="0"/>
               <a:t>]</a:t>
             </a:r>
           </a:p>
           <a:p>
-            <a:endParaRPr lang="en-US" altLang="zh-CN"/>
-          </a:p>
-          <a:p>
-            <a:r>
-              <a:rPr lang="en-US" altLang="zh-CN"/>
+            <a:endParaRPr lang="en-US" altLang="zh-CN" dirty="0"/>
+          </a:p>
+          <a:p>
+            <a:r>
+              <a:rPr lang="en-US" altLang="zh-CN" dirty="0"/>
               <a:t>react </a:t>
             </a:r>
             <a:r>
-              <a:rPr lang="zh-CN" altLang="en-US"/>
+              <a:rPr lang="zh-CN" altLang="en-US" dirty="0"/>
               <a:t>中有几个常用的 </a:t>
             </a:r>
             <a:r>
-              <a:rPr lang="en-US" altLang="zh-CN"/>
+              <a:rPr lang="en-US" altLang="zh-CN" dirty="0"/>
               <a:t>hooks</a:t>
             </a:r>
             <a:r>
-              <a:rPr lang="zh-CN" altLang="en-US"/>
+              <a:rPr lang="zh-CN" altLang="en-US" dirty="0"/>
               <a:t>：</a:t>
             </a:r>
             <a:r>
-              <a:rPr lang="en-US" altLang="zh-CN"/>
+              <a:rPr lang="en-US" altLang="zh-CN" dirty="0" err="1"/>
               <a:t>useState</a:t>
             </a:r>
             <a:r>
-              <a:rPr lang="zh-CN" altLang="en-US"/>
+              <a:rPr lang="zh-CN" altLang="en-US" dirty="0"/>
               <a:t>、</a:t>
             </a:r>
             <a:r>
-              <a:rPr lang="en-US" altLang="zh-CN"/>
+              <a:rPr lang="en-US" altLang="zh-CN" dirty="0" err="1"/>
               <a:t>useEffect</a:t>
             </a:r>
             <a:r>
-              <a:rPr lang="zh-CN" altLang="en-US"/>
+              <a:rPr lang="zh-CN" altLang="en-US" dirty="0"/>
               <a:t>、</a:t>
             </a:r>
             <a:r>
-              <a:rPr lang="en-US" altLang="zh-CN"/>
+              <a:rPr lang="en-US" altLang="zh-CN" dirty="0" err="1"/>
               <a:t>useRef</a:t>
             </a:r>
             <a:r>
-              <a:rPr lang="zh-CN" altLang="en-US"/>
+              <a:rPr lang="zh-CN" altLang="en-US" dirty="0"/>
               <a:t>、</a:t>
             </a:r>
             <a:r>
-              <a:rPr lang="en-US" altLang="zh-CN"/>
-              <a:t>useMemo </a:t>
-            </a:r>
-            <a:r>
-              <a:rPr lang="zh-CN" altLang="en-US"/>
+              <a:rPr lang="en-US" altLang="zh-CN" dirty="0" err="1"/>
+              <a:t>useMemo</a:t>
+            </a:r>
+            <a:r>
+              <a:rPr lang="en-US" altLang="zh-CN" dirty="0"/>
+              <a:t> </a:t>
+            </a:r>
+            <a:r>
+              <a:rPr lang="zh-CN" altLang="en-US" dirty="0"/>
               <a:t>等</a:t>
             </a:r>
             <a:r>
-              <a:rPr lang="en-US" altLang="zh-CN"/>
+              <a:rPr lang="en-US" altLang="zh-CN" dirty="0"/>
               <a:t>[2]</a:t>
             </a:r>
-            <a:endParaRPr lang="zh-CN" altLang="en-US"/>
-          </a:p>
-          <a:p>
-            <a:endParaRPr lang="en-US" altLang="zh-CN"/>
+            <a:endParaRPr lang="zh-CN" altLang="en-US" dirty="0"/>
+          </a:p>
+          <a:p>
+            <a:endParaRPr lang="en-US" altLang="zh-CN" dirty="0"/>
           </a:p>
           <a:p>
             <a:endParaRPr lang="zh-CN" altLang="en-US" dirty="0"/>
@@ -6206,7 +6390,7 @@
         </p:blipFill>
         <p:spPr>
           <a:xfrm>
-            <a:off x="4865149" y="732772"/>
+            <a:off x="4794315" y="919516"/>
             <a:ext cx="4008518" cy="5715243"/>
           </a:xfrm>
           <a:prstGeom prst="rect">
@@ -6284,7 +6468,7 @@
         <p:spPr>
           <a:xfrm>
             <a:off x="451961" y="685165"/>
-            <a:ext cx="5566795" cy="4185761"/>
+            <a:ext cx="8157566" cy="3908762"/>
           </a:xfrm>
           <a:prstGeom prst="rect">
             <a:avLst/>
@@ -6417,7 +6601,7 @@
         </p:blipFill>
         <p:spPr>
           <a:xfrm>
-            <a:off x="4448135" y="1906509"/>
+            <a:off x="4448135" y="1925828"/>
             <a:ext cx="3499030" cy="1632034"/>
           </a:xfrm>
           <a:prstGeom prst="rect">
@@ -6718,7 +6902,7 @@
         </p:blipFill>
         <p:spPr>
           <a:xfrm>
-            <a:off x="4678473" y="790319"/>
+            <a:off x="4523927" y="1054336"/>
             <a:ext cx="4279935" cy="5388779"/>
           </a:xfrm>
           <a:prstGeom prst="rect">
@@ -6796,7 +6980,7 @@
         <p:spPr>
           <a:xfrm>
             <a:off x="451962" y="685165"/>
-            <a:ext cx="4771391" cy="8956298"/>
+            <a:ext cx="3424579" cy="9510296"/>
           </a:xfrm>
           <a:prstGeom prst="rect">
             <a:avLst/>
@@ -7031,7 +7215,7 @@
         </p:blipFill>
         <p:spPr>
           <a:xfrm>
-            <a:off x="4178218" y="2573906"/>
+            <a:off x="4017233" y="1267525"/>
             <a:ext cx="4896102" cy="4127712"/>
           </a:xfrm>
           <a:prstGeom prst="rect">
@@ -7649,6 +7833,61 @@
           </a:p>
         </p:txBody>
       </p:sp>
+      <p:sp>
+        <p:nvSpPr>
+          <p:cNvPr id="5" name="文本框 4">
+            <a:extLst>
+              <a:ext uri="{FF2B5EF4-FFF2-40B4-BE49-F238E27FC236}">
+                <a16:creationId xmlns:a16="http://schemas.microsoft.com/office/drawing/2014/main" id="{A288185D-8248-8C97-31E9-5B0E6812AD2F}"/>
+              </a:ext>
+            </a:extLst>
+          </p:cNvPr>
+          <p:cNvSpPr txBox="1"/>
+          <p:nvPr/>
+        </p:nvSpPr>
+        <p:spPr>
+          <a:xfrm>
+            <a:off x="2955702" y="5055189"/>
+            <a:ext cx="3445099" cy="369332"/>
+          </a:xfrm>
+          <a:prstGeom prst="rect">
+            <a:avLst/>
+          </a:prstGeom>
+          <a:noFill/>
+        </p:spPr>
+        <p:txBody>
+          <a:bodyPr wrap="square" rtlCol="0">
+            <a:spAutoFit/>
+          </a:bodyPr>
+          <a:lstStyle/>
+          <a:p>
+            <a:r>
+              <a:rPr lang="zh-CN" altLang="en-US" dirty="0">
+                <a:solidFill>
+                  <a:schemeClr val="bg1"/>
+                </a:solidFill>
+              </a:rPr>
+              <a:t>需有</a:t>
+            </a:r>
+            <a:r>
+              <a:rPr lang="en-US" altLang="zh-CN" dirty="0">
+                <a:solidFill>
+                  <a:schemeClr val="bg1"/>
+                </a:solidFill>
+              </a:rPr>
+              <a:t>html,css,js,ES6</a:t>
+            </a:r>
+            <a:r>
+              <a:rPr lang="zh-CN" altLang="en-US" dirty="0">
+                <a:solidFill>
+                  <a:schemeClr val="bg1"/>
+                </a:solidFill>
+              </a:rPr>
+              <a:t>基础</a:t>
+            </a:r>
+          </a:p>
+        </p:txBody>
+      </p:sp>
     </p:spTree>
     <p:custDataLst>
       <p:tags r:id="rId1"/>
@@ -7921,7 +8160,7 @@
         <p:spPr>
           <a:xfrm>
             <a:off x="401351" y="685165"/>
-            <a:ext cx="3963463" cy="8125301"/>
+            <a:ext cx="2477077" cy="8402300"/>
           </a:xfrm>
           <a:prstGeom prst="rect">
             <a:avLst/>
@@ -7971,7 +8210,7 @@
                   <a:srgbClr val="FF0000"/>
                 </a:solidFill>
               </a:rPr>
-              <a:t>注意：组件名必须大写</a:t>
+              <a:t>注意：组件名第一个字母必须大写</a:t>
             </a:r>
             <a:endParaRPr lang="en-US" altLang="zh-CN" dirty="0">
               <a:solidFill>
@@ -11787,9 +12026,9 @@
         <p:grpSpPr>
           <a:xfrm>
             <a:off x="2313927" y="4336415"/>
-            <a:ext cx="4621448" cy="647700"/>
+            <a:ext cx="4621448" cy="460375"/>
             <a:chOff x="5683" y="1819"/>
-            <a:chExt cx="11314" cy="1020"/>
+            <a:chExt cx="11314" cy="725"/>
           </a:xfrm>
         </p:grpSpPr>
         <p:sp>
@@ -11801,7 +12040,7 @@
           <p:spPr>
             <a:xfrm>
               <a:off x="7701" y="1823"/>
-              <a:ext cx="9296" cy="1016"/>
+              <a:ext cx="9296" cy="582"/>
             </a:xfrm>
             <a:prstGeom prst="rect">
               <a:avLst/>
@@ -11825,11 +12064,7 @@
               </a:r>
               <a:r>
                 <a:rPr lang="en-US" altLang="zh-CN" b="1" dirty="0"/>
-                <a:t> Design &amp; </a:t>
-              </a:r>
-              <a:r>
-                <a:rPr lang="en-US" altLang="zh-CN" b="1" dirty="0" err="1"/>
-                <a:t>ProComponent</a:t>
+                <a:t> Design</a:t>
               </a:r>
               <a:endParaRPr lang="zh-CN" altLang="en-US" b="1" dirty="0">
                 <a:solidFill>
@@ -12329,7 +12564,7 @@
         <p:spPr>
           <a:xfrm>
             <a:off x="451961" y="958241"/>
-            <a:ext cx="8097053" cy="5632311"/>
+            <a:ext cx="8097053" cy="3416320"/>
           </a:xfrm>
           <a:prstGeom prst="rect">
             <a:avLst/>
@@ -12427,93 +12662,6 @@
             <a:endParaRPr lang="en-US" altLang="zh-CN" dirty="0"/>
           </a:p>
           <a:p>
-            <a:endParaRPr lang="en-US" altLang="zh-CN" dirty="0"/>
-          </a:p>
-          <a:p>
-            <a:r>
-              <a:rPr lang="zh-CN" altLang="en-US" dirty="0"/>
-              <a:t>然后我们项目中使用了</a:t>
-            </a:r>
-            <a:r>
-              <a:rPr lang="en-US" altLang="zh-CN" dirty="0" err="1">
-                <a:hlinkClick r:id="rId6"/>
-              </a:rPr>
-              <a:t>Procomponent</a:t>
-            </a:r>
-            <a:r>
-              <a:rPr lang="zh-CN" altLang="en-US" dirty="0"/>
-              <a:t>，它是基于 </a:t>
-            </a:r>
-            <a:r>
-              <a:rPr lang="en-US" altLang="zh-CN" dirty="0"/>
-              <a:t>Ant Design </a:t>
-            </a:r>
-            <a:r>
-              <a:rPr lang="zh-CN" altLang="en-US" dirty="0"/>
-              <a:t>而开发的模板组件，提供了更高级别的抽象支持，开箱即用。可以显著地提升制作 </a:t>
-            </a:r>
-            <a:r>
-              <a:rPr lang="en-US" altLang="zh-CN" dirty="0"/>
-              <a:t>CRUD </a:t>
-            </a:r>
-            <a:r>
-              <a:rPr lang="zh-CN" altLang="en-US" dirty="0"/>
-              <a:t>页面的效率，更加专注于页面。</a:t>
-            </a:r>
-            <a:endParaRPr lang="en-US" altLang="zh-CN" dirty="0"/>
-          </a:p>
-          <a:p>
-            <a:endParaRPr lang="en-US" altLang="zh-CN" dirty="0"/>
-          </a:p>
-          <a:p>
-            <a:r>
-              <a:rPr lang="zh-CN" altLang="en-US" dirty="0"/>
-              <a:t>现在我们 </a:t>
-            </a:r>
-            <a:r>
-              <a:rPr lang="en-US" altLang="zh-CN" dirty="0"/>
-              <a:t>pc </a:t>
-            </a:r>
-            <a:r>
-              <a:rPr lang="zh-CN" altLang="en-US" dirty="0"/>
-              <a:t>端的项目的话大多都是使用 </a:t>
-            </a:r>
-            <a:r>
-              <a:rPr lang="en-US" altLang="zh-CN" dirty="0" err="1"/>
-              <a:t>Procomponents</a:t>
-            </a:r>
-            <a:r>
-              <a:rPr lang="zh-CN" altLang="en-US" dirty="0"/>
-              <a:t>，像比如表格，表单啊，</a:t>
-            </a:r>
-            <a:r>
-              <a:rPr lang="en-US" altLang="zh-CN" dirty="0" err="1"/>
-              <a:t>Procomponent</a:t>
-            </a:r>
-            <a:r>
-              <a:rPr lang="en-US" altLang="zh-CN" dirty="0"/>
-              <a:t> </a:t>
-            </a:r>
-            <a:r>
-              <a:rPr lang="zh-CN" altLang="en-US" dirty="0"/>
-              <a:t>都帮我们内置了很多逻辑在里面，然后像抽屉的话，如果说抽屉里面是有表单，那还是推荐使用 </a:t>
-            </a:r>
-            <a:r>
-              <a:rPr lang="en-US" altLang="zh-CN" dirty="0" err="1"/>
-              <a:t>DrawerForm</a:t>
-            </a:r>
-            <a:r>
-              <a:rPr lang="zh-CN" altLang="en-US" dirty="0"/>
-              <a:t>，如果只是纯抽屉，那可以使用 </a:t>
-            </a:r>
-            <a:r>
-              <a:rPr lang="en-US" altLang="zh-CN" dirty="0"/>
-              <a:t>Drawer</a:t>
-            </a:r>
-            <a:r>
-              <a:rPr lang="zh-CN" altLang="en-US" dirty="0"/>
-              <a:t>。</a:t>
-            </a:r>
             <a:endParaRPr lang="en-US" altLang="zh-CN" dirty="0"/>
           </a:p>
           <a:p>
@@ -12809,7 +12957,7 @@
         <p:spPr>
           <a:xfrm>
             <a:off x="3115004" y="3517674"/>
-            <a:ext cx="5054596" cy="645160"/>
+            <a:ext cx="5054596" cy="923330"/>
           </a:xfrm>
           <a:prstGeom prst="rect">
             <a:avLst/>
@@ -12853,6 +13001,30 @@
               </a:rPr>
               <a:t>学习资源</a:t>
             </a:r>
+            <a:endParaRPr lang="en-US" altLang="zh-CN" dirty="0">
+              <a:solidFill>
+                <a:schemeClr val="bg2"/>
+              </a:solidFill>
+            </a:endParaRPr>
+          </a:p>
+          <a:p>
+            <a:pPr marL="742950" lvl="1" indent="-285750">
+              <a:buFont typeface="Arial" panose="020B0604020202020204" pitchFamily="34" charset="0"/>
+              <a:buChar char="•"/>
+            </a:pPr>
+            <a:r>
+              <a:rPr lang="zh-CN" altLang="en-US" dirty="0">
+                <a:solidFill>
+                  <a:schemeClr val="bg2"/>
+                </a:solidFill>
+              </a:rPr>
+              <a:t>开发工具及插件推荐</a:t>
+            </a:r>
+            <a:endParaRPr lang="zh-CN" dirty="0">
+              <a:solidFill>
+                <a:schemeClr val="bg2"/>
+              </a:solidFill>
+            </a:endParaRPr>
           </a:p>
         </p:txBody>
       </p:sp>
@@ -12921,7 +13093,7 @@
         <p:spPr>
           <a:xfrm>
             <a:off x="546388" y="685165"/>
-            <a:ext cx="7552481" cy="4524315"/>
+            <a:ext cx="7552481" cy="4801314"/>
           </a:xfrm>
           <a:prstGeom prst="rect">
             <a:avLst/>
@@ -13018,6 +13190,17 @@
                 <a:hlinkClick r:id="rId2"/>
               </a:rPr>
               <a:t>https://react.docschina.org/learn#updating-the-screen</a:t>
+            </a:r>
+            <a:endParaRPr lang="en-US" altLang="zh-CN" dirty="0"/>
+          </a:p>
+          <a:p>
+            <a:r>
+              <a:rPr lang="en-US" altLang="zh-CN" dirty="0"/>
+              <a:t>  react</a:t>
+            </a:r>
+            <a:r>
+              <a:rPr lang="zh-CN" altLang="en-US" dirty="0"/>
+              <a:t>英文网：</a:t>
             </a:r>
             <a:endParaRPr lang="en-US" altLang="zh-CN" dirty="0"/>
           </a:p>
@@ -13155,6 +13338,104 @@
       </p:grpSpPr>
       <p:sp>
         <p:nvSpPr>
+          <p:cNvPr id="2" name="文本框 1">
+            <a:extLst>
+              <a:ext uri="{FF2B5EF4-FFF2-40B4-BE49-F238E27FC236}">
+                <a16:creationId xmlns:a16="http://schemas.microsoft.com/office/drawing/2014/main" id="{6F12AAE2-62B7-98F8-EF31-56BA4148F734}"/>
+              </a:ext>
+            </a:extLst>
+          </p:cNvPr>
+          <p:cNvSpPr txBox="1"/>
+          <p:nvPr/>
+        </p:nvSpPr>
+        <p:spPr>
+          <a:xfrm>
+            <a:off x="663262" y="772732"/>
+            <a:ext cx="1005403" cy="646331"/>
+          </a:xfrm>
+          <a:prstGeom prst="rect">
+            <a:avLst/>
+          </a:prstGeom>
+          <a:noFill/>
+        </p:spPr>
+        <p:txBody>
+          <a:bodyPr wrap="none" rtlCol="0">
+            <a:spAutoFit/>
+          </a:bodyPr>
+          <a:lstStyle/>
+          <a:p>
+            <a:r>
+              <a:rPr lang="en-US" altLang="zh-CN" dirty="0"/>
+              <a:t>3</a:t>
+            </a:r>
+            <a:r>
+              <a:rPr lang="zh-CN" altLang="en-US" dirty="0"/>
+              <a:t>、插件</a:t>
+            </a:r>
+            <a:endParaRPr lang="en-US" altLang="zh-CN" dirty="0"/>
+          </a:p>
+          <a:p>
+            <a:endParaRPr lang="zh-CN" altLang="en-US" dirty="0"/>
+          </a:p>
+        </p:txBody>
+      </p:sp>
+      <p:pic>
+        <p:nvPicPr>
+          <p:cNvPr id="6" name="图片 5">
+            <a:extLst>
+              <a:ext uri="{FF2B5EF4-FFF2-40B4-BE49-F238E27FC236}">
+                <a16:creationId xmlns:a16="http://schemas.microsoft.com/office/drawing/2014/main" id="{B6FCE84A-FB52-A088-868A-829956A36BEA}"/>
+              </a:ext>
+            </a:extLst>
+          </p:cNvPr>
+          <p:cNvPicPr>
+            <a:picLocks noChangeAspect="1"/>
+          </p:cNvPicPr>
+          <p:nvPr/>
+        </p:nvPicPr>
+        <p:blipFill>
+          <a:blip r:embed="rId2"/>
+          <a:stretch>
+            <a:fillRect/>
+          </a:stretch>
+        </p:blipFill>
+        <p:spPr>
+          <a:xfrm>
+            <a:off x="739882" y="1448040"/>
+            <a:ext cx="4496031" cy="749339"/>
+          </a:xfrm>
+          <a:prstGeom prst="rect">
+            <a:avLst/>
+          </a:prstGeom>
+        </p:spPr>
+      </p:pic>
+    </p:spTree>
+  </p:cSld>
+  <p:clrMapOvr>
+    <a:masterClrMapping/>
+  </p:clrMapOvr>
+</p:sld>
+</file>
+
+<file path=ppt/slides/slide36.xml><?xml version="1.0" encoding="utf-8"?>
+<p:sld xmlns:a="http://schemas.openxmlformats.org/drawingml/2006/main" xmlns:r="http://schemas.openxmlformats.org/officeDocument/2006/relationships" xmlns:p="http://schemas.openxmlformats.org/presentationml/2006/main">
+  <p:cSld>
+    <p:spTree>
+      <p:nvGrpSpPr>
+        <p:cNvPr id="1" name=""/>
+        <p:cNvGrpSpPr/>
+        <p:nvPr/>
+      </p:nvGrpSpPr>
+      <p:grpSpPr>
+        <a:xfrm>
+          <a:off x="0" y="0"/>
+          <a:ext cx="0" cy="0"/>
+          <a:chOff x="0" y="0"/>
+          <a:chExt cx="0" cy="0"/>
+        </a:xfrm>
+      </p:grpSpPr>
+      <p:sp>
+        <p:nvSpPr>
           <p:cNvPr id="4" name="文本框 3"/>
           <p:cNvSpPr txBox="1"/>
           <p:nvPr/>
@@ -13227,6 +13508,11 @@
         </p:txBody>
       </p:sp>
     </p:spTree>
+    <p:extLst>
+      <p:ext uri="{BB962C8B-B14F-4D97-AF65-F5344CB8AC3E}">
+        <p14:creationId xmlns:p14="http://schemas.microsoft.com/office/powerpoint/2010/main" val="22574350"/>
+      </p:ext>
+    </p:extLst>
   </p:cSld>
   <p:clrMapOvr>
     <a:masterClrMapping/>
@@ -13234,7 +13520,7 @@
 </p:sld>
 </file>
 
-<file path=ppt/slides/slide36.xml><?xml version="1.0" encoding="utf-8"?>
+<file path=ppt/slides/slide37.xml><?xml version="1.0" encoding="utf-8"?>
 <p:sld xmlns:a="http://schemas.openxmlformats.org/drawingml/2006/main" xmlns:r="http://schemas.openxmlformats.org/officeDocument/2006/relationships" xmlns:p="http://schemas.openxmlformats.org/presentationml/2006/main">
   <p:cSld>
     <p:spTree>
@@ -14071,7 +14357,7 @@
         <p:spPr>
           <a:xfrm>
             <a:off x="3379007" y="3540993"/>
-            <a:ext cx="4595150" cy="1815882"/>
+            <a:ext cx="4595150" cy="2062103"/>
           </a:xfrm>
           <a:prstGeom prst="rect">
             <a:avLst/>
@@ -14285,6 +14571,21 @@
                 <a:sym typeface="+mn-ea"/>
               </a:rPr>
               <a:t>Hooks</a:t>
+            </a:r>
+          </a:p>
+          <a:p>
+            <a:pPr marL="285750" indent="-285750">
+              <a:buFont typeface="Arial" panose="020B0604020202020204" pitchFamily="34" charset="0"/>
+              <a:buChar char="•"/>
+            </a:pPr>
+            <a:r>
+              <a:rPr lang="zh-CN" altLang="en-US" sz="1600" dirty="0">
+                <a:solidFill>
+                  <a:schemeClr val="bg2"/>
+                </a:solidFill>
+                <a:sym typeface="+mn-ea"/>
+              </a:rPr>
+              <a:t>表单受控</a:t>
             </a:r>
             <a:endParaRPr lang="en-US" altLang="zh-CN" sz="1600" dirty="0">
               <a:solidFill>
@@ -14410,14 +14711,14 @@
           <p:nvPr/>
         </p:nvPicPr>
         <p:blipFill>
-          <a:blip r:embed="rId2"/>
+          <a:blip r:embed="rId3"/>
           <a:stretch>
             <a:fillRect/>
           </a:stretch>
         </p:blipFill>
         <p:spPr>
           <a:xfrm>
-            <a:off x="589004" y="1410314"/>
+            <a:off x="5904637" y="952882"/>
             <a:ext cx="2724290" cy="469924"/>
           </a:xfrm>
           <a:prstGeom prst="rect">

--- a/PPT内容-20240103-2.pptx
+++ b/PPT内容-20240103-2.pptx
@@ -247,7 +247,7 @@
           <a:p>
             <a:fld id="{7F25A8C7-CC1A-4A08-9B4B-31F43B054C7F}" type="datetimeFigureOut">
               <a:rPr lang="zh-CN" altLang="en-US" smtClean="0"/>
-              <a:t>2024/1/4</a:t>
+              <a:t>2024/1/7</a:t>
             </a:fld>
             <a:endParaRPr lang="zh-CN" altLang="en-US"/>
           </a:p>
@@ -1746,7 +1746,7 @@
             </a:r>
             <a:r>
               <a:rPr lang="zh-CN" altLang="en-US" dirty="0"/>
-              <a:t>脚手架是什么， 添加动图，添加</a:t>
+              <a:t>脚手架是什么，解释</a:t>
             </a:r>
             <a:r>
               <a:rPr lang="en-US" altLang="zh-CN" dirty="0"/>
@@ -1754,7 +1754,7 @@
             </a:r>
             <a:r>
               <a:rPr lang="zh-CN" altLang="en-US" dirty="0"/>
-              <a:t>两种方式，下面添加代码目录</a:t>
+              <a:t>两种方式，</a:t>
             </a:r>
           </a:p>
         </p:txBody>
@@ -2939,7 +2939,22 @@
             </a:r>
           </a:p>
           <a:p>
-            <a:endParaRPr lang="zh-CN" altLang="en-US" dirty="0"/>
+            <a:r>
+              <a:rPr lang="en-US" altLang="zh-CN" dirty="0"/>
+              <a:t>React</a:t>
+            </a:r>
+            <a:r>
+              <a:rPr lang="zh-CN" altLang="en-US" dirty="0"/>
+              <a:t>中返回的</a:t>
+            </a:r>
+            <a:r>
+              <a:rPr lang="en-US" altLang="zh-CN" dirty="0" err="1"/>
+              <a:t>jsx</a:t>
+            </a:r>
+            <a:r>
+              <a:rPr lang="zh-CN" altLang="en-US" dirty="0"/>
+              <a:t>必须用一个根标签包裹住</a:t>
+            </a:r>
           </a:p>
         </p:txBody>
       </p:sp>
@@ -3184,14 +3199,6 @@
           <a:bodyPr/>
           <a:lstStyle/>
           <a:p>
-            <a:r>
-              <a:rPr lang="zh-CN" altLang="en-US" dirty="0"/>
-              <a:t>添加 </a:t>
-            </a:r>
-            <a:r>
-              <a:rPr lang="en-US" altLang="zh-CN" dirty="0"/>
-              <a:t>&amp;&amp;</a:t>
-            </a:r>
             <a:endParaRPr lang="zh-CN" altLang="en-US" dirty="0"/>
           </a:p>
         </p:txBody>
@@ -3837,7 +3844,7 @@
           <a:p>
             <a:fld id="{760FBDFE-C587-4B4C-A407-44438C67B59E}" type="datetimeFigureOut">
               <a:rPr lang="zh-CN" altLang="en-US" smtClean="0"/>
-              <a:t>2024/1/4</a:t>
+              <a:t>2024/1/7</a:t>
             </a:fld>
             <a:endParaRPr lang="zh-CN" altLang="en-US" dirty="0"/>
           </a:p>
@@ -3995,7 +4002,7 @@
           <a:p>
             <a:fld id="{D997B5FA-0921-464F-AAE1-844C04324D75}" type="datetimeFigureOut">
               <a:rPr lang="zh-CN" altLang="en-US" smtClean="0"/>
-              <a:t>2024/1/4</a:t>
+              <a:t>2024/1/7</a:t>
             </a:fld>
             <a:endParaRPr lang="zh-CN" altLang="en-US" dirty="0"/>
           </a:p>
@@ -4085,7 +4092,7 @@
           <a:p>
             <a:fld id="{D997B5FA-0921-464F-AAE1-844C04324D75}" type="datetimeFigureOut">
               <a:rPr lang="zh-CN" altLang="en-US" smtClean="0"/>
-              <a:t>2024/1/4</a:t>
+              <a:t>2024/1/7</a:t>
             </a:fld>
             <a:endParaRPr lang="zh-CN" altLang="en-US" dirty="0"/>
           </a:p>
@@ -4363,7 +4370,7 @@
           <a:p>
             <a:fld id="{D997B5FA-0921-464F-AAE1-844C04324D75}" type="datetimeFigureOut">
               <a:rPr lang="zh-CN" altLang="en-US" smtClean="0"/>
-              <a:t>2024/1/4</a:t>
+              <a:t>2024/1/7</a:t>
             </a:fld>
             <a:endParaRPr lang="zh-CN" altLang="en-US" dirty="0"/>
           </a:p>
@@ -4521,7 +4528,7 @@
           <a:p>
             <a:fld id="{D997B5FA-0921-464F-AAE1-844C04324D75}" type="datetimeFigureOut">
               <a:rPr lang="zh-CN" altLang="en-US" smtClean="0"/>
-              <a:t>2024/1/4</a:t>
+              <a:t>2024/1/7</a:t>
             </a:fld>
             <a:endParaRPr lang="zh-CN" altLang="en-US" dirty="0"/>
           </a:p>
@@ -4726,7 +4733,7 @@
           <a:p>
             <a:fld id="{D997B5FA-0921-464F-AAE1-844C04324D75}" type="datetimeFigureOut">
               <a:rPr lang="zh-CN" altLang="en-US" smtClean="0"/>
-              <a:t>2024/1/4</a:t>
+              <a:t>2024/1/7</a:t>
             </a:fld>
             <a:endParaRPr lang="zh-CN" altLang="en-US" dirty="0"/>
           </a:p>
@@ -5345,7 +5352,7 @@
         <p:spPr>
           <a:xfrm>
             <a:off x="515073" y="685165"/>
-            <a:ext cx="3412983" cy="4247317"/>
+            <a:ext cx="3412983" cy="4524315"/>
           </a:xfrm>
           <a:prstGeom prst="rect">
             <a:avLst/>
@@ -5416,6 +5423,9 @@
             <a:endParaRPr lang="en-US" altLang="zh-CN" dirty="0"/>
           </a:p>
           <a:p>
+            <a:endParaRPr lang="en-US" altLang="zh-CN" dirty="0"/>
+          </a:p>
+          <a:p>
             <a:r>
               <a:rPr lang="en-US" altLang="zh-CN" dirty="0"/>
               <a:t>“&amp;&amp;”</a:t>
@@ -5433,10 +5443,10 @@
       </p:sp>
       <p:pic>
         <p:nvPicPr>
-          <p:cNvPr id="6" name="图片 5">
+          <p:cNvPr id="5" name="图片 4">
             <a:extLst>
               <a:ext uri="{FF2B5EF4-FFF2-40B4-BE49-F238E27FC236}">
-                <a16:creationId xmlns:a16="http://schemas.microsoft.com/office/drawing/2014/main" id="{8A4FB459-F3CF-3518-C2DF-C045A88A0042}"/>
+                <a16:creationId xmlns:a16="http://schemas.microsoft.com/office/drawing/2014/main" id="{CAC7C8C0-C5A7-A2CC-E856-6D76C2FB4C28}"/>
               </a:ext>
             </a:extLst>
           </p:cNvPr>
@@ -5453,8 +5463,38 @@
         </p:blipFill>
         <p:spPr>
           <a:xfrm>
-            <a:off x="4120653" y="1879520"/>
-            <a:ext cx="4959605" cy="1549480"/>
+            <a:off x="3991168" y="1479975"/>
+            <a:ext cx="4502381" cy="2597283"/>
+          </a:xfrm>
+          <a:prstGeom prst="rect">
+            <a:avLst/>
+          </a:prstGeom>
+        </p:spPr>
+      </p:pic>
+      <p:pic>
+        <p:nvPicPr>
+          <p:cNvPr id="8" name="图片 7">
+            <a:extLst>
+              <a:ext uri="{FF2B5EF4-FFF2-40B4-BE49-F238E27FC236}">
+                <a16:creationId xmlns:a16="http://schemas.microsoft.com/office/drawing/2014/main" id="{F0992758-DF5C-E363-5D45-A1BFB47696EB}"/>
+              </a:ext>
+            </a:extLst>
+          </p:cNvPr>
+          <p:cNvPicPr>
+            <a:picLocks noChangeAspect="1"/>
+          </p:cNvPicPr>
+          <p:nvPr/>
+        </p:nvPicPr>
+        <p:blipFill>
+          <a:blip r:embed="rId4"/>
+          <a:stretch>
+            <a:fillRect/>
+          </a:stretch>
+        </p:blipFill>
+        <p:spPr>
+          <a:xfrm>
+            <a:off x="4055562" y="4167410"/>
+            <a:ext cx="3530781" cy="2584583"/>
           </a:xfrm>
           <a:prstGeom prst="rect">
             <a:avLst/>
@@ -5997,23 +6037,7 @@
             </a:r>
             <a:r>
               <a:rPr lang="zh-CN" altLang="en-US" dirty="0"/>
-              <a:t>可以让你的无状态组件变成有状态组件</a:t>
-            </a:r>
-            <a:r>
-              <a:rPr lang="en-US" altLang="zh-CN" dirty="0"/>
-              <a:t>[</a:t>
-            </a:r>
-            <a:r>
-              <a:rPr lang="zh-CN" altLang="en-US" dirty="0"/>
-              <a:t>通过</a:t>
-            </a:r>
-            <a:r>
-              <a:rPr lang="en-US" altLang="zh-CN" dirty="0"/>
-              <a:t>state]</a:t>
-            </a:r>
-            <a:r>
-              <a:rPr lang="zh-CN" altLang="en-US" dirty="0"/>
-              <a:t>、</a:t>
+              <a:t>可以让你的无状态组件变成有状态组件、有副作用的组件；</a:t>
             </a:r>
             <a:endParaRPr lang="en-US" altLang="zh-CN" dirty="0"/>
           </a:p>
@@ -6026,18 +6050,7 @@
               <a:rPr lang="zh-CN" altLang="en-US" dirty="0"/>
               <a:t>可以复用逻辑</a:t>
             </a:r>
-            <a:r>
-              <a:rPr lang="en-US" altLang="zh-CN" dirty="0"/>
-              <a:t>[</a:t>
-            </a:r>
-            <a:r>
-              <a:rPr lang="zh-CN" altLang="en-US" dirty="0"/>
-              <a:t>写一个简单请求，复用</a:t>
-            </a:r>
-            <a:r>
-              <a:rPr lang="en-US" altLang="zh-CN" dirty="0"/>
-              <a:t>]</a:t>
-            </a:r>
+            <a:endParaRPr lang="en-US" altLang="zh-CN" dirty="0"/>
           </a:p>
           <a:p>
             <a:endParaRPr lang="en-US" altLang="zh-CN" dirty="0"/>
@@ -12025,7 +12038,7 @@
         </p:nvGrpSpPr>
         <p:grpSpPr>
           <a:xfrm>
-            <a:off x="2313927" y="4336415"/>
+            <a:off x="2344432" y="4342359"/>
             <a:ext cx="4621448" cy="460375"/>
             <a:chOff x="5683" y="1819"/>
             <a:chExt cx="11314" cy="725"/>
@@ -13351,7 +13364,7 @@
         <p:spPr>
           <a:xfrm>
             <a:off x="663262" y="772732"/>
-            <a:ext cx="1005403" cy="646331"/>
+            <a:ext cx="1864613" cy="646331"/>
           </a:xfrm>
           <a:prstGeom prst="rect">
             <a:avLst/>
@@ -13370,7 +13383,15 @@
             </a:r>
             <a:r>
               <a:rPr lang="zh-CN" altLang="en-US" dirty="0"/>
-              <a:t>、插件</a:t>
+              <a:t>、</a:t>
+            </a:r>
+            <a:r>
+              <a:rPr lang="en-US" altLang="zh-CN" dirty="0" err="1"/>
+              <a:t>VSCode</a:t>
+            </a:r>
+            <a:r>
+              <a:rPr lang="zh-CN" altLang="en-US" dirty="0"/>
+              <a:t>插件</a:t>
             </a:r>
             <a:endParaRPr lang="en-US" altLang="zh-CN" dirty="0"/>
           </a:p>
@@ -14660,7 +14681,7 @@
         <p:spPr>
           <a:xfrm>
             <a:off x="515073" y="685165"/>
-            <a:ext cx="7552481" cy="646331"/>
+            <a:ext cx="7552481" cy="923330"/>
           </a:xfrm>
           <a:prstGeom prst="rect">
             <a:avLst/>
@@ -14692,6 +14713,33 @@
             <a:endParaRPr lang="en-US" altLang="zh-CN" dirty="0"/>
           </a:p>
           <a:p>
+            <a:endParaRPr lang="en-US" altLang="zh-CN" dirty="0"/>
+          </a:p>
+          <a:p>
+            <a:r>
+              <a:rPr lang="en-US" altLang="zh-CN" dirty="0"/>
+              <a:t>create-react-app</a:t>
+            </a:r>
+            <a:r>
+              <a:rPr lang="zh-CN" altLang="en-US" dirty="0"/>
+              <a:t>方式 </a:t>
+            </a:r>
+            <a:r>
+              <a:rPr lang="en-US" altLang="zh-CN" dirty="0"/>
+              <a:t>		                     </a:t>
+            </a:r>
+            <a:r>
+              <a:rPr lang="en-US" altLang="zh-CN" dirty="0" err="1"/>
+              <a:t>umi</a:t>
+            </a:r>
+            <a:r>
+              <a:rPr lang="zh-CN" altLang="en-US" dirty="0"/>
+              <a:t>方式</a:t>
+            </a:r>
+            <a:r>
+              <a:rPr lang="en-US" altLang="zh-CN" dirty="0"/>
+              <a:t>	</a:t>
+            </a:r>
             <a:endParaRPr lang="zh-CN" altLang="en-US" dirty="0"/>
           </a:p>
         </p:txBody>
@@ -14718,8 +14766,98 @@
         </p:blipFill>
         <p:spPr>
           <a:xfrm>
-            <a:off x="5904637" y="952882"/>
+            <a:off x="5601176" y="1679329"/>
             <a:ext cx="2724290" cy="469924"/>
+          </a:xfrm>
+          <a:prstGeom prst="rect">
+            <a:avLst/>
+          </a:prstGeom>
+        </p:spPr>
+      </p:pic>
+      <p:pic>
+        <p:nvPicPr>
+          <p:cNvPr id="6" name="图片 5">
+            <a:extLst>
+              <a:ext uri="{FF2B5EF4-FFF2-40B4-BE49-F238E27FC236}">
+                <a16:creationId xmlns:a16="http://schemas.microsoft.com/office/drawing/2014/main" id="{F38C6925-EAC5-676E-7DAA-50F2B9AC9258}"/>
+              </a:ext>
+            </a:extLst>
+          </p:cNvPr>
+          <p:cNvPicPr>
+            <a:picLocks noChangeAspect="1"/>
+          </p:cNvPicPr>
+          <p:nvPr/>
+        </p:nvPicPr>
+        <p:blipFill>
+          <a:blip r:embed="rId4"/>
+          <a:stretch>
+            <a:fillRect/>
+          </a:stretch>
+        </p:blipFill>
+        <p:spPr>
+          <a:xfrm>
+            <a:off x="568992" y="1665035"/>
+            <a:ext cx="2457576" cy="558829"/>
+          </a:xfrm>
+          <a:prstGeom prst="rect">
+            <a:avLst/>
+          </a:prstGeom>
+        </p:spPr>
+      </p:pic>
+      <p:pic>
+        <p:nvPicPr>
+          <p:cNvPr id="10" name="图片 9">
+            <a:extLst>
+              <a:ext uri="{FF2B5EF4-FFF2-40B4-BE49-F238E27FC236}">
+                <a16:creationId xmlns:a16="http://schemas.microsoft.com/office/drawing/2014/main" id="{1D27763E-3B2A-64E9-DB96-B20399A38A1A}"/>
+              </a:ext>
+            </a:extLst>
+          </p:cNvPr>
+          <p:cNvPicPr>
+            <a:picLocks noChangeAspect="1"/>
+          </p:cNvPicPr>
+          <p:nvPr/>
+        </p:nvPicPr>
+        <p:blipFill>
+          <a:blip r:embed="rId5"/>
+          <a:stretch>
+            <a:fillRect/>
+          </a:stretch>
+        </p:blipFill>
+        <p:spPr>
+          <a:xfrm>
+            <a:off x="568992" y="2364058"/>
+            <a:ext cx="2991004" cy="4242018"/>
+          </a:xfrm>
+          <a:prstGeom prst="rect">
+            <a:avLst/>
+          </a:prstGeom>
+        </p:spPr>
+      </p:pic>
+      <p:pic>
+        <p:nvPicPr>
+          <p:cNvPr id="12" name="图片 11">
+            <a:extLst>
+              <a:ext uri="{FF2B5EF4-FFF2-40B4-BE49-F238E27FC236}">
+                <a16:creationId xmlns:a16="http://schemas.microsoft.com/office/drawing/2014/main" id="{13347937-06A2-4D32-0605-9FEEE2ECFCDD}"/>
+              </a:ext>
+            </a:extLst>
+          </p:cNvPr>
+          <p:cNvPicPr>
+            <a:picLocks noChangeAspect="1"/>
+          </p:cNvPicPr>
+          <p:nvPr/>
+        </p:nvPicPr>
+        <p:blipFill>
+          <a:blip r:embed="rId6"/>
+          <a:stretch>
+            <a:fillRect/>
+          </a:stretch>
+        </p:blipFill>
+        <p:spPr>
+          <a:xfrm>
+            <a:off x="5601176" y="2265720"/>
+            <a:ext cx="2873522" cy="4497425"/>
           </a:xfrm>
           <a:prstGeom prst="rect">
             <a:avLst/>
